--- a/images/slides/quantum_class_thChương.pptx
+++ b/images/slides/quantum_class_thChương.pptx
@@ -5,15 +5,13 @@
     <p:sldMasterId id="2147483648" r:id="rId1"/>
   </p:sldMasterIdLst>
   <p:notesMasterIdLst>
-    <p:notesMasterId r:id="rId8"/>
+    <p:notesMasterId r:id="rId6"/>
   </p:notesMasterIdLst>
   <p:sldIdLst>
     <p:sldId id="256" r:id="rId2"/>
-    <p:sldId id="267" r:id="rId3"/>
-    <p:sldId id="268" r:id="rId4"/>
-    <p:sldId id="259" r:id="rId5"/>
-    <p:sldId id="260" r:id="rId6"/>
-    <p:sldId id="269" r:id="rId7"/>
+    <p:sldId id="259" r:id="rId3"/>
+    <p:sldId id="260" r:id="rId4"/>
+    <p:sldId id="269" r:id="rId5"/>
   </p:sldIdLst>
   <p:sldSz cx="12192000" cy="6858000"/>
   <p:notesSz cx="6858000" cy="9144000"/>
@@ -202,7 +200,7 @@
           <a:p>
             <a:fld id="{52A2B7F2-4ED9-403D-8D8A-879FE3B4014E}" type="datetimeFigureOut">
               <a:rPr lang="en-US" smtClean="0"/>
-              <a:t>1/23/2026</a:t>
+              <a:t>1/24/26</a:t>
             </a:fld>
             <a:endParaRPr lang="en-US"/>
           </a:p>
@@ -642,7 +640,7 @@
           <a:p>
             <a:fld id="{FD0C423D-7B4B-467C-A396-4684F9D5D10D}" type="slidenum">
               <a:rPr lang="en-US" smtClean="0"/>
-              <a:t>4</a:t>
+              <a:t>2</a:t>
             </a:fld>
             <a:endParaRPr lang="en-US"/>
           </a:p>
@@ -750,7 +748,7 @@
           <a:p>
             <a:fld id="{FD0C423D-7B4B-467C-A396-4684F9D5D10D}" type="slidenum">
               <a:rPr lang="en-US" smtClean="0"/>
-              <a:t>5</a:t>
+              <a:t>3</a:t>
             </a:fld>
             <a:endParaRPr lang="en-US"/>
           </a:p>
@@ -916,7 +914,7 @@
           <a:p>
             <a:fld id="{A04A5567-2D39-432B-A86B-39F40DF129FF}" type="datetimeFigureOut">
               <a:rPr lang="en-US" smtClean="0"/>
-              <a:t>1/23/2026</a:t>
+              <a:t>1/24/26</a:t>
             </a:fld>
             <a:endParaRPr lang="en-US"/>
           </a:p>
@@ -1114,7 +1112,7 @@
           <a:p>
             <a:fld id="{A04A5567-2D39-432B-A86B-39F40DF129FF}" type="datetimeFigureOut">
               <a:rPr lang="en-US" smtClean="0"/>
-              <a:t>1/23/2026</a:t>
+              <a:t>1/24/26</a:t>
             </a:fld>
             <a:endParaRPr lang="en-US"/>
           </a:p>
@@ -1322,7 +1320,7 @@
           <a:p>
             <a:fld id="{A04A5567-2D39-432B-A86B-39F40DF129FF}" type="datetimeFigureOut">
               <a:rPr lang="en-US" smtClean="0"/>
-              <a:t>1/23/2026</a:t>
+              <a:t>1/24/26</a:t>
             </a:fld>
             <a:endParaRPr lang="en-US"/>
           </a:p>
@@ -1520,7 +1518,7 @@
           <a:p>
             <a:fld id="{A04A5567-2D39-432B-A86B-39F40DF129FF}" type="datetimeFigureOut">
               <a:rPr lang="en-US" smtClean="0"/>
-              <a:t>1/23/2026</a:t>
+              <a:t>1/24/26</a:t>
             </a:fld>
             <a:endParaRPr lang="en-US"/>
           </a:p>
@@ -1795,7 +1793,7 @@
           <a:p>
             <a:fld id="{A04A5567-2D39-432B-A86B-39F40DF129FF}" type="datetimeFigureOut">
               <a:rPr lang="en-US" smtClean="0"/>
-              <a:t>1/23/2026</a:t>
+              <a:t>1/24/26</a:t>
             </a:fld>
             <a:endParaRPr lang="en-US"/>
           </a:p>
@@ -2060,7 +2058,7 @@
           <a:p>
             <a:fld id="{A04A5567-2D39-432B-A86B-39F40DF129FF}" type="datetimeFigureOut">
               <a:rPr lang="en-US" smtClean="0"/>
-              <a:t>1/23/2026</a:t>
+              <a:t>1/24/26</a:t>
             </a:fld>
             <a:endParaRPr lang="en-US"/>
           </a:p>
@@ -2472,7 +2470,7 @@
           <a:p>
             <a:fld id="{A04A5567-2D39-432B-A86B-39F40DF129FF}" type="datetimeFigureOut">
               <a:rPr lang="en-US" smtClean="0"/>
-              <a:t>1/23/2026</a:t>
+              <a:t>1/24/26</a:t>
             </a:fld>
             <a:endParaRPr lang="en-US"/>
           </a:p>
@@ -2613,7 +2611,7 @@
           <a:p>
             <a:fld id="{A04A5567-2D39-432B-A86B-39F40DF129FF}" type="datetimeFigureOut">
               <a:rPr lang="en-US" smtClean="0"/>
-              <a:t>1/23/2026</a:t>
+              <a:t>1/24/26</a:t>
             </a:fld>
             <a:endParaRPr lang="en-US"/>
           </a:p>
@@ -2726,7 +2724,7 @@
           <a:p>
             <a:fld id="{A04A5567-2D39-432B-A86B-39F40DF129FF}" type="datetimeFigureOut">
               <a:rPr lang="en-US" smtClean="0"/>
-              <a:t>1/23/2026</a:t>
+              <a:t>1/24/26</a:t>
             </a:fld>
             <a:endParaRPr lang="en-US"/>
           </a:p>
@@ -3037,7 +3035,7 @@
           <a:p>
             <a:fld id="{A04A5567-2D39-432B-A86B-39F40DF129FF}" type="datetimeFigureOut">
               <a:rPr lang="en-US" smtClean="0"/>
-              <a:t>1/23/2026</a:t>
+              <a:t>1/24/26</a:t>
             </a:fld>
             <a:endParaRPr lang="en-US"/>
           </a:p>
@@ -3325,7 +3323,7 @@
           <a:p>
             <a:fld id="{A04A5567-2D39-432B-A86B-39F40DF129FF}" type="datetimeFigureOut">
               <a:rPr lang="en-US" smtClean="0"/>
-              <a:t>1/23/2026</a:t>
+              <a:t>1/24/26</a:t>
             </a:fld>
             <a:endParaRPr lang="en-US"/>
           </a:p>
@@ -3566,7 +3564,7 @@
           <a:p>
             <a:fld id="{A04A5567-2D39-432B-A86B-39F40DF129FF}" type="datetimeFigureOut">
               <a:rPr lang="en-US" smtClean="0"/>
-              <a:t>1/23/2026</a:t>
+              <a:t>1/24/26</a:t>
             </a:fld>
             <a:endParaRPr lang="en-US"/>
           </a:p>
@@ -6040,1830 +6038,6 @@
   <p:cSld>
     <p:spTree>
       <p:nvGrpSpPr>
-        <p:cNvPr id="1" name=""/>
-        <p:cNvGrpSpPr/>
-        <p:nvPr/>
-      </p:nvGrpSpPr>
-      <p:grpSpPr>
-        <a:xfrm>
-          <a:off x="0" y="0"/>
-          <a:ext cx="0" cy="0"/>
-          <a:chOff x="0" y="0"/>
-          <a:chExt cx="0" cy="0"/>
-        </a:xfrm>
-      </p:grpSpPr>
-      <p:sp>
-        <p:nvSpPr>
-          <p:cNvPr id="48" name="Rectangle 47">
-            <a:extLst>
-              <a:ext uri="{FF2B5EF4-FFF2-40B4-BE49-F238E27FC236}">
-                <a16:creationId xmlns:a16="http://schemas.microsoft.com/office/drawing/2014/main" id="{504CE484-F909-8325-F81B-CC8C38747983}"/>
-              </a:ext>
-            </a:extLst>
-          </p:cNvPr>
-          <p:cNvSpPr/>
-          <p:nvPr/>
-        </p:nvSpPr>
-        <p:spPr>
-          <a:xfrm>
-            <a:off x="5922693" y="809805"/>
-            <a:ext cx="5701272" cy="1859814"/>
-          </a:xfrm>
-          <a:prstGeom prst="rect">
-            <a:avLst/>
-          </a:prstGeom>
-          <a:solidFill>
-            <a:schemeClr val="bg2"/>
-          </a:solidFill>
-        </p:spPr>
-        <p:style>
-          <a:lnRef idx="2">
-            <a:schemeClr val="accent1">
-              <a:shade val="15000"/>
-            </a:schemeClr>
-          </a:lnRef>
-          <a:fillRef idx="1">
-            <a:schemeClr val="accent1"/>
-          </a:fillRef>
-          <a:effectRef idx="0">
-            <a:schemeClr val="accent1"/>
-          </a:effectRef>
-          <a:fontRef idx="minor">
-            <a:schemeClr val="lt1"/>
-          </a:fontRef>
-        </p:style>
-        <p:txBody>
-          <a:bodyPr rtlCol="0" anchor="ctr"/>
-          <a:lstStyle/>
-          <a:p>
-            <a:pPr algn="ctr"/>
-            <a:endParaRPr lang="en-VN"/>
-          </a:p>
-        </p:txBody>
-      </p:sp>
-      <p:sp>
-        <p:nvSpPr>
-          <p:cNvPr id="33" name="Oval 32">
-            <a:extLst>
-              <a:ext uri="{FF2B5EF4-FFF2-40B4-BE49-F238E27FC236}">
-                <a16:creationId xmlns:a16="http://schemas.microsoft.com/office/drawing/2014/main" id="{D9E8B1CC-4A4A-C84D-0C93-AE7FCD34FE50}"/>
-              </a:ext>
-            </a:extLst>
-          </p:cNvPr>
-          <p:cNvSpPr>
-            <a:spLocks noChangeAspect="1"/>
-          </p:cNvSpPr>
-          <p:nvPr/>
-        </p:nvSpPr>
-        <p:spPr>
-          <a:xfrm>
-            <a:off x="2465278" y="2196259"/>
-            <a:ext cx="2999749" cy="2999749"/>
-          </a:xfrm>
-          <a:prstGeom prst="ellipse">
-            <a:avLst/>
-          </a:prstGeom>
-          <a:solidFill>
-            <a:schemeClr val="bg2"/>
-          </a:solidFill>
-          <a:ln>
-            <a:noFill/>
-          </a:ln>
-        </p:spPr>
-        <p:style>
-          <a:lnRef idx="2">
-            <a:schemeClr val="accent1">
-              <a:shade val="15000"/>
-            </a:schemeClr>
-          </a:lnRef>
-          <a:fillRef idx="1">
-            <a:schemeClr val="accent1"/>
-          </a:fillRef>
-          <a:effectRef idx="0">
-            <a:schemeClr val="accent1"/>
-          </a:effectRef>
-          <a:fontRef idx="minor">
-            <a:schemeClr val="lt1"/>
-          </a:fontRef>
-        </p:style>
-        <p:txBody>
-          <a:bodyPr rtlCol="0" anchor="ctr"/>
-          <a:lstStyle/>
-          <a:p>
-            <a:pPr algn="ctr"/>
-            <a:endParaRPr lang="en-VN"/>
-          </a:p>
-        </p:txBody>
-      </p:sp>
-      <p:sp>
-        <p:nvSpPr>
-          <p:cNvPr id="4" name="TextBox 3">
-            <a:extLst>
-              <a:ext uri="{FF2B5EF4-FFF2-40B4-BE49-F238E27FC236}">
-                <a16:creationId xmlns:a16="http://schemas.microsoft.com/office/drawing/2014/main" id="{0D935B44-1918-0A6B-FC23-17716604915A}"/>
-              </a:ext>
-            </a:extLst>
-          </p:cNvPr>
-          <p:cNvSpPr txBox="1"/>
-          <p:nvPr/>
-        </p:nvSpPr>
-        <p:spPr>
-          <a:xfrm>
-            <a:off x="2998156" y="3001265"/>
-            <a:ext cx="2466872" cy="584775"/>
-          </a:xfrm>
-          <a:prstGeom prst="rect">
-            <a:avLst/>
-          </a:prstGeom>
-          <a:noFill/>
-        </p:spPr>
-        <p:txBody>
-          <a:bodyPr wrap="square" rtlCol="0">
-            <a:spAutoFit/>
-          </a:bodyPr>
-          <a:lstStyle/>
-          <a:p>
-            <a:r>
-              <a:rPr lang="en-VN" sz="3200" b="1">
-                <a:latin typeface="Aharoni" panose="020F0502020204030204" pitchFamily="34" charset="0"/>
-                <a:cs typeface="Aharoni" panose="020F0502020204030204" pitchFamily="34" charset="0"/>
-              </a:rPr>
-              <a:t>Q   uantum </a:t>
-            </a:r>
-          </a:p>
-        </p:txBody>
-      </p:sp>
-      <p:cxnSp>
-        <p:nvCxnSpPr>
-          <p:cNvPr id="6" name="Straight Connector 5">
-            <a:extLst>
-              <a:ext uri="{FF2B5EF4-FFF2-40B4-BE49-F238E27FC236}">
-                <a16:creationId xmlns:a16="http://schemas.microsoft.com/office/drawing/2014/main" id="{B23139BD-DB7C-4526-2EB9-BDADDEDF6EC5}"/>
-              </a:ext>
-            </a:extLst>
-          </p:cNvPr>
-          <p:cNvCxnSpPr>
-            <a:cxnSpLocks/>
-          </p:cNvCxnSpPr>
-          <p:nvPr/>
-        </p:nvCxnSpPr>
-        <p:spPr>
-          <a:xfrm>
-            <a:off x="3058348" y="3859724"/>
-            <a:ext cx="599252" cy="0"/>
-          </a:xfrm>
-          <a:prstGeom prst="line">
-            <a:avLst/>
-          </a:prstGeom>
-          <a:ln w="38100"/>
-        </p:spPr>
-        <p:style>
-          <a:lnRef idx="2">
-            <a:schemeClr val="dk1"/>
-          </a:lnRef>
-          <a:fillRef idx="0">
-            <a:schemeClr val="dk1"/>
-          </a:fillRef>
-          <a:effectRef idx="1">
-            <a:schemeClr val="dk1"/>
-          </a:effectRef>
-          <a:fontRef idx="minor">
-            <a:schemeClr val="tx1"/>
-          </a:fontRef>
-        </p:style>
-      </p:cxnSp>
-      <p:pic>
-        <p:nvPicPr>
-          <p:cNvPr id="8" name="Picture 4" descr="Quantum Computing Computer Urgent Care Research Clip Art PNG">
-            <a:extLst>
-              <a:ext uri="{FF2B5EF4-FFF2-40B4-BE49-F238E27FC236}">
-                <a16:creationId xmlns:a16="http://schemas.microsoft.com/office/drawing/2014/main" id="{A5709812-191C-C925-972B-A5917A40CDA8}"/>
-              </a:ext>
-            </a:extLst>
-          </p:cNvPr>
-          <p:cNvPicPr>
-            <a:picLocks noChangeAspect="1" noChangeArrowheads="1"/>
-          </p:cNvPicPr>
-          <p:nvPr/>
-        </p:nvPicPr>
-        <p:blipFill>
-          <a:blip r:embed="rId2">
-            <a:extLst>
-              <a:ext uri="{BEBA8EAE-BF5A-486C-A8C5-ECC9F3942E4B}">
-                <a14:imgProps xmlns:a14="http://schemas.microsoft.com/office/drawing/2010/main">
-                  <a14:imgLayer r:embed="rId3">
-                    <a14:imgEffect>
-                      <a14:backgroundRemoval t="3147" b="97727" l="10000" r="90000">
-                        <a14:foregroundMark x1="44731" y1="91958" x2="46095" y2="92124"/>
-                        <a14:foregroundMark x1="43293" y1="91783" x2="44731" y2="91958"/>
-                        <a14:foregroundMark x1="43537" y1="7867" x2="53659" y2="3147"/>
-                        <a14:foregroundMark x1="51525" y1="93531" x2="56585" y2="93531"/>
-                        <a14:foregroundMark x1="43780" y1="93531" x2="47698" y2="93531"/>
-                        <a14:foregroundMark x1="49735" y1="97643" x2="52073" y2="97727"/>
-                        <a14:backgroundMark x1="47927" y1="93007" x2="51829" y2="92832"/>
-                      </a14:backgroundRemoval>
-                    </a14:imgEffect>
-                  </a14:imgLayer>
-                </a14:imgProps>
-              </a:ext>
-              <a:ext uri="{28A0092B-C50C-407E-A947-70E740481C1C}">
-                <a14:useLocalDpi xmlns:a14="http://schemas.microsoft.com/office/drawing/2010/main" val="0"/>
-              </a:ext>
-            </a:extLst>
-          </a:blip>
-          <a:srcRect/>
-          <a:stretch>
-            <a:fillRect/>
-          </a:stretch>
-        </p:blipFill>
-        <p:spPr bwMode="auto">
-          <a:xfrm>
-            <a:off x="2530193" y="2782154"/>
-            <a:ext cx="1466530" cy="1022995"/>
-          </a:xfrm>
-          <a:prstGeom prst="rect">
-            <a:avLst/>
-          </a:prstGeom>
-          <a:noFill/>
-          <a:extLst>
-            <a:ext uri="{909E8E84-426E-40DD-AFC4-6F175D3DCCD1}">
-              <a14:hiddenFill xmlns:a14="http://schemas.microsoft.com/office/drawing/2010/main">
-                <a:solidFill>
-                  <a:srgbClr val="FFFFFF"/>
-                </a:solidFill>
-              </a14:hiddenFill>
-            </a:ext>
-          </a:extLst>
-        </p:spPr>
-      </p:pic>
-      <p:cxnSp>
-        <p:nvCxnSpPr>
-          <p:cNvPr id="10" name="Straight Connector 9">
-            <a:extLst>
-              <a:ext uri="{FF2B5EF4-FFF2-40B4-BE49-F238E27FC236}">
-                <a16:creationId xmlns:a16="http://schemas.microsoft.com/office/drawing/2014/main" id="{B9DCE02D-C88E-AC7A-504E-40239560308C}"/>
-              </a:ext>
-            </a:extLst>
-          </p:cNvPr>
-          <p:cNvCxnSpPr>
-            <a:cxnSpLocks/>
-          </p:cNvCxnSpPr>
-          <p:nvPr/>
-        </p:nvCxnSpPr>
-        <p:spPr>
-          <a:xfrm>
-            <a:off x="3792639" y="3532544"/>
-            <a:ext cx="1440000" cy="0"/>
-          </a:xfrm>
-          <a:prstGeom prst="line">
-            <a:avLst/>
-          </a:prstGeom>
-          <a:ln w="38100"/>
-        </p:spPr>
-        <p:style>
-          <a:lnRef idx="2">
-            <a:schemeClr val="dk1"/>
-          </a:lnRef>
-          <a:fillRef idx="0">
-            <a:schemeClr val="dk1"/>
-          </a:fillRef>
-          <a:effectRef idx="1">
-            <a:schemeClr val="dk1"/>
-          </a:effectRef>
-          <a:fontRef idx="minor">
-            <a:schemeClr val="tx1"/>
-          </a:fontRef>
-        </p:style>
-      </p:cxnSp>
-      <p:cxnSp>
-        <p:nvCxnSpPr>
-          <p:cNvPr id="29" name="Straight Connector 28">
-            <a:extLst>
-              <a:ext uri="{FF2B5EF4-FFF2-40B4-BE49-F238E27FC236}">
-                <a16:creationId xmlns:a16="http://schemas.microsoft.com/office/drawing/2014/main" id="{2C1AEEDC-1BB2-BC54-4C7E-01661A84599F}"/>
-              </a:ext>
-            </a:extLst>
-          </p:cNvPr>
-          <p:cNvCxnSpPr>
-            <a:cxnSpLocks/>
-          </p:cNvCxnSpPr>
-          <p:nvPr/>
-        </p:nvCxnSpPr>
-        <p:spPr>
-          <a:xfrm flipV="1">
-            <a:off x="3657600" y="3532544"/>
-            <a:ext cx="161925" cy="327180"/>
-          </a:xfrm>
-          <a:prstGeom prst="line">
-            <a:avLst/>
-          </a:prstGeom>
-          <a:ln w="38100"/>
-        </p:spPr>
-        <p:style>
-          <a:lnRef idx="2">
-            <a:schemeClr val="dk1"/>
-          </a:lnRef>
-          <a:fillRef idx="0">
-            <a:schemeClr val="dk1"/>
-          </a:fillRef>
-          <a:effectRef idx="1">
-            <a:schemeClr val="dk1"/>
-          </a:effectRef>
-          <a:fontRef idx="minor">
-            <a:schemeClr val="tx1"/>
-          </a:fontRef>
-        </p:style>
-      </p:cxnSp>
-      <p:sp>
-        <p:nvSpPr>
-          <p:cNvPr id="34" name="TextBox 33">
-            <a:extLst>
-              <a:ext uri="{FF2B5EF4-FFF2-40B4-BE49-F238E27FC236}">
-                <a16:creationId xmlns:a16="http://schemas.microsoft.com/office/drawing/2014/main" id="{15A37CE5-789C-41C7-9742-9E8874EF06EE}"/>
-              </a:ext>
-            </a:extLst>
-          </p:cNvPr>
-          <p:cNvSpPr txBox="1"/>
-          <p:nvPr/>
-        </p:nvSpPr>
-        <p:spPr>
-          <a:xfrm>
-            <a:off x="6609190" y="1357343"/>
-            <a:ext cx="2924537" cy="584775"/>
-          </a:xfrm>
-          <a:prstGeom prst="rect">
-            <a:avLst/>
-          </a:prstGeom>
-          <a:noFill/>
-        </p:spPr>
-        <p:txBody>
-          <a:bodyPr wrap="square" rtlCol="0">
-            <a:spAutoFit/>
-          </a:bodyPr>
-          <a:lstStyle/>
-          <a:p>
-            <a:r>
-              <a:rPr lang="en-VN" sz="3200" b="1">
-                <a:latin typeface="Aharoni" panose="020F0502020204030204" pitchFamily="34" charset="0"/>
-                <a:cs typeface="Aharoni" panose="020F0502020204030204" pitchFamily="34" charset="0"/>
-              </a:rPr>
-              <a:t>Q   uantum at </a:t>
-            </a:r>
-          </a:p>
-        </p:txBody>
-      </p:sp>
-      <p:cxnSp>
-        <p:nvCxnSpPr>
-          <p:cNvPr id="35" name="Straight Connector 34">
-            <a:extLst>
-              <a:ext uri="{FF2B5EF4-FFF2-40B4-BE49-F238E27FC236}">
-                <a16:creationId xmlns:a16="http://schemas.microsoft.com/office/drawing/2014/main" id="{978BD161-BAE0-5958-4F8C-8EB72A5BED73}"/>
-              </a:ext>
-            </a:extLst>
-          </p:cNvPr>
-          <p:cNvCxnSpPr>
-            <a:cxnSpLocks/>
-          </p:cNvCxnSpPr>
-          <p:nvPr/>
-        </p:nvCxnSpPr>
-        <p:spPr>
-          <a:xfrm>
-            <a:off x="6669383" y="2215802"/>
-            <a:ext cx="599252" cy="0"/>
-          </a:xfrm>
-          <a:prstGeom prst="line">
-            <a:avLst/>
-          </a:prstGeom>
-          <a:ln w="38100"/>
-        </p:spPr>
-        <p:style>
-          <a:lnRef idx="2">
-            <a:schemeClr val="dk1"/>
-          </a:lnRef>
-          <a:fillRef idx="0">
-            <a:schemeClr val="dk1"/>
-          </a:fillRef>
-          <a:effectRef idx="1">
-            <a:schemeClr val="dk1"/>
-          </a:effectRef>
-          <a:fontRef idx="minor">
-            <a:schemeClr val="tx1"/>
-          </a:fontRef>
-        </p:style>
-      </p:cxnSp>
-      <p:pic>
-        <p:nvPicPr>
-          <p:cNvPr id="37" name="Picture 4" descr="Quantum Computing Computer Urgent Care Research Clip Art PNG">
-            <a:extLst>
-              <a:ext uri="{FF2B5EF4-FFF2-40B4-BE49-F238E27FC236}">
-                <a16:creationId xmlns:a16="http://schemas.microsoft.com/office/drawing/2014/main" id="{449A2911-60E7-A575-FAE8-6E8924AD9B0D}"/>
-              </a:ext>
-            </a:extLst>
-          </p:cNvPr>
-          <p:cNvPicPr>
-            <a:picLocks noChangeAspect="1" noChangeArrowheads="1"/>
-          </p:cNvPicPr>
-          <p:nvPr/>
-        </p:nvPicPr>
-        <p:blipFill>
-          <a:blip r:embed="rId2">
-            <a:extLst>
-              <a:ext uri="{BEBA8EAE-BF5A-486C-A8C5-ECC9F3942E4B}">
-                <a14:imgProps xmlns:a14="http://schemas.microsoft.com/office/drawing/2010/main">
-                  <a14:imgLayer r:embed="rId3">
-                    <a14:imgEffect>
-                      <a14:backgroundRemoval t="3147" b="97727" l="10000" r="90000">
-                        <a14:foregroundMark x1="44731" y1="91958" x2="46095" y2="92124"/>
-                        <a14:foregroundMark x1="43293" y1="91783" x2="44731" y2="91958"/>
-                        <a14:foregroundMark x1="43537" y1="7867" x2="53659" y2="3147"/>
-                        <a14:foregroundMark x1="51525" y1="93531" x2="56585" y2="93531"/>
-                        <a14:foregroundMark x1="43780" y1="93531" x2="47698" y2="93531"/>
-                        <a14:foregroundMark x1="49735" y1="97643" x2="52073" y2="97727"/>
-                        <a14:backgroundMark x1="47927" y1="93007" x2="51829" y2="92832"/>
-                      </a14:backgroundRemoval>
-                    </a14:imgEffect>
-                  </a14:imgLayer>
-                </a14:imgProps>
-              </a:ext>
-              <a:ext uri="{28A0092B-C50C-407E-A947-70E740481C1C}">
-                <a14:useLocalDpi xmlns:a14="http://schemas.microsoft.com/office/drawing/2010/main" val="0"/>
-              </a:ext>
-            </a:extLst>
-          </a:blip>
-          <a:srcRect/>
-          <a:stretch>
-            <a:fillRect/>
-          </a:stretch>
-        </p:blipFill>
-        <p:spPr bwMode="auto">
-          <a:xfrm>
-            <a:off x="6141228" y="1138232"/>
-            <a:ext cx="1466530" cy="1022995"/>
-          </a:xfrm>
-          <a:prstGeom prst="rect">
-            <a:avLst/>
-          </a:prstGeom>
-          <a:noFill/>
-          <a:extLst>
-            <a:ext uri="{909E8E84-426E-40DD-AFC4-6F175D3DCCD1}">
-              <a14:hiddenFill xmlns:a14="http://schemas.microsoft.com/office/drawing/2010/main">
-                <a:solidFill>
-                  <a:srgbClr val="FFFFFF"/>
-                </a:solidFill>
-              </a14:hiddenFill>
-            </a:ext>
-          </a:extLst>
-        </p:spPr>
-      </p:pic>
-      <p:cxnSp>
-        <p:nvCxnSpPr>
-          <p:cNvPr id="38" name="Straight Connector 37">
-            <a:extLst>
-              <a:ext uri="{FF2B5EF4-FFF2-40B4-BE49-F238E27FC236}">
-                <a16:creationId xmlns:a16="http://schemas.microsoft.com/office/drawing/2014/main" id="{E32291CF-1715-142E-68FE-ABF38A72E88D}"/>
-              </a:ext>
-            </a:extLst>
-          </p:cNvPr>
-          <p:cNvCxnSpPr>
-            <a:cxnSpLocks/>
-          </p:cNvCxnSpPr>
-          <p:nvPr/>
-        </p:nvCxnSpPr>
-        <p:spPr>
-          <a:xfrm>
-            <a:off x="7403674" y="1888622"/>
-            <a:ext cx="1943143" cy="0"/>
-          </a:xfrm>
-          <a:prstGeom prst="line">
-            <a:avLst/>
-          </a:prstGeom>
-          <a:ln w="38100"/>
-        </p:spPr>
-        <p:style>
-          <a:lnRef idx="2">
-            <a:schemeClr val="dk1"/>
-          </a:lnRef>
-          <a:fillRef idx="0">
-            <a:schemeClr val="dk1"/>
-          </a:fillRef>
-          <a:effectRef idx="1">
-            <a:schemeClr val="dk1"/>
-          </a:effectRef>
-          <a:fontRef idx="minor">
-            <a:schemeClr val="tx1"/>
-          </a:fontRef>
-        </p:style>
-      </p:cxnSp>
-      <p:cxnSp>
-        <p:nvCxnSpPr>
-          <p:cNvPr id="40" name="Straight Connector 39">
-            <a:extLst>
-              <a:ext uri="{FF2B5EF4-FFF2-40B4-BE49-F238E27FC236}">
-                <a16:creationId xmlns:a16="http://schemas.microsoft.com/office/drawing/2014/main" id="{8B7275FE-B10F-A588-F36C-AA2AB64B29D6}"/>
-              </a:ext>
-            </a:extLst>
-          </p:cNvPr>
-          <p:cNvCxnSpPr>
-            <a:cxnSpLocks/>
-          </p:cNvCxnSpPr>
-          <p:nvPr/>
-        </p:nvCxnSpPr>
-        <p:spPr>
-          <a:xfrm flipV="1">
-            <a:off x="7268635" y="1888622"/>
-            <a:ext cx="161925" cy="327180"/>
-          </a:xfrm>
-          <a:prstGeom prst="line">
-            <a:avLst/>
-          </a:prstGeom>
-          <a:ln w="38100"/>
-        </p:spPr>
-        <p:style>
-          <a:lnRef idx="2">
-            <a:schemeClr val="dk1"/>
-          </a:lnRef>
-          <a:fillRef idx="0">
-            <a:schemeClr val="dk1"/>
-          </a:fillRef>
-          <a:effectRef idx="1">
-            <a:schemeClr val="dk1"/>
-          </a:effectRef>
-          <a:fontRef idx="minor">
-            <a:schemeClr val="tx1"/>
-          </a:fontRef>
-        </p:style>
-      </p:cxnSp>
-      <p:sp>
-        <p:nvSpPr>
-          <p:cNvPr id="41" name="Oval 40">
-            <a:extLst>
-              <a:ext uri="{FF2B5EF4-FFF2-40B4-BE49-F238E27FC236}">
-                <a16:creationId xmlns:a16="http://schemas.microsoft.com/office/drawing/2014/main" id="{A7EBAB01-EFD5-66A3-16A9-4F78450BE5B2}"/>
-              </a:ext>
-            </a:extLst>
-          </p:cNvPr>
-          <p:cNvSpPr>
-            <a:spLocks noChangeAspect="1"/>
-          </p:cNvSpPr>
-          <p:nvPr/>
-        </p:nvSpPr>
-        <p:spPr>
-          <a:xfrm>
-            <a:off x="6096000" y="-110029"/>
-            <a:ext cx="3600000" cy="3600000"/>
-          </a:xfrm>
-          <a:prstGeom prst="ellipse">
-            <a:avLst/>
-          </a:prstGeom>
-          <a:noFill/>
-          <a:ln>
-            <a:noFill/>
-          </a:ln>
-        </p:spPr>
-        <p:style>
-          <a:lnRef idx="2">
-            <a:schemeClr val="accent1">
-              <a:shade val="15000"/>
-            </a:schemeClr>
-          </a:lnRef>
-          <a:fillRef idx="1">
-            <a:schemeClr val="accent1"/>
-          </a:fillRef>
-          <a:effectRef idx="0">
-            <a:schemeClr val="accent1"/>
-          </a:effectRef>
-          <a:fontRef idx="minor">
-            <a:schemeClr val="lt1"/>
-          </a:fontRef>
-        </p:style>
-        <p:txBody>
-          <a:bodyPr rtlCol="0" anchor="ctr"/>
-          <a:lstStyle/>
-          <a:p>
-            <a:pPr algn="ctr"/>
-            <a:endParaRPr lang="en-VN"/>
-          </a:p>
-        </p:txBody>
-      </p:sp>
-      <p:pic>
-        <p:nvPicPr>
-          <p:cNvPr id="43" name="Picture 4">
-            <a:extLst>
-              <a:ext uri="{FF2B5EF4-FFF2-40B4-BE49-F238E27FC236}">
-                <a16:creationId xmlns:a16="http://schemas.microsoft.com/office/drawing/2014/main" id="{6CCF406E-2867-DA00-AABB-5C4C1E4A9A8C}"/>
-              </a:ext>
-            </a:extLst>
-          </p:cNvPr>
-          <p:cNvPicPr>
-            <a:picLocks noChangeAspect="1" noChangeArrowheads="1"/>
-          </p:cNvPicPr>
-          <p:nvPr/>
-        </p:nvPicPr>
-        <p:blipFill rotWithShape="1">
-          <a:blip r:embed="rId4">
-            <a:extLst>
-              <a:ext uri="{28A0092B-C50C-407E-A947-70E740481C1C}">
-                <a14:useLocalDpi xmlns:a14="http://schemas.microsoft.com/office/drawing/2010/main" val="0"/>
-              </a:ext>
-            </a:extLst>
-          </a:blip>
-          <a:srcRect l="54166" t="30055"/>
-          <a:stretch>
-            <a:fillRect/>
-          </a:stretch>
-        </p:blipFill>
-        <p:spPr bwMode="auto">
-          <a:xfrm>
-            <a:off x="9521993" y="1433726"/>
-            <a:ext cx="1651572" cy="1235893"/>
-          </a:xfrm>
-          <a:prstGeom prst="rect">
-            <a:avLst/>
-          </a:prstGeom>
-          <a:noFill/>
-          <a:extLst>
-            <a:ext uri="{909E8E84-426E-40DD-AFC4-6F175D3DCCD1}">
-              <a14:hiddenFill xmlns:a14="http://schemas.microsoft.com/office/drawing/2010/main">
-                <a:solidFill>
-                  <a:srgbClr val="FFFFFF"/>
-                </a:solidFill>
-              </a14:hiddenFill>
-            </a:ext>
-          </a:extLst>
-        </p:spPr>
-      </p:pic>
-      <p:sp>
-        <p:nvSpPr>
-          <p:cNvPr id="47" name="TextBox 46">
-            <a:extLst>
-              <a:ext uri="{FF2B5EF4-FFF2-40B4-BE49-F238E27FC236}">
-                <a16:creationId xmlns:a16="http://schemas.microsoft.com/office/drawing/2014/main" id="{5705F6CC-51D2-62E7-4391-DCE9DC222630}"/>
-              </a:ext>
-            </a:extLst>
-          </p:cNvPr>
-          <p:cNvSpPr txBox="1"/>
-          <p:nvPr/>
-        </p:nvSpPr>
-        <p:spPr>
-          <a:xfrm>
-            <a:off x="3764931" y="3477969"/>
-            <a:ext cx="1486642" cy="461665"/>
-          </a:xfrm>
-          <a:prstGeom prst="rect">
-            <a:avLst/>
-          </a:prstGeom>
-          <a:noFill/>
-        </p:spPr>
-        <p:txBody>
-          <a:bodyPr wrap="square" rtlCol="0">
-            <a:spAutoFit/>
-          </a:bodyPr>
-          <a:lstStyle/>
-          <a:p>
-            <a:r>
-              <a:rPr lang="en-VN" sz="2400" b="1">
-                <a:latin typeface="Aharoni" panose="020F0502020204030204" pitchFamily="34" charset="0"/>
-                <a:cs typeface="Aharoni" panose="020F0502020204030204" pitchFamily="34" charset="0"/>
-              </a:rPr>
-              <a:t>research </a:t>
-            </a:r>
-          </a:p>
-        </p:txBody>
-      </p:sp>
-      <p:sp>
-        <p:nvSpPr>
-          <p:cNvPr id="49" name="Oval 48">
-            <a:extLst>
-              <a:ext uri="{FF2B5EF4-FFF2-40B4-BE49-F238E27FC236}">
-                <a16:creationId xmlns:a16="http://schemas.microsoft.com/office/drawing/2014/main" id="{A487992D-47AA-DFA7-5174-206A2C15DC5F}"/>
-              </a:ext>
-            </a:extLst>
-          </p:cNvPr>
-          <p:cNvSpPr>
-            <a:spLocks noChangeAspect="1"/>
-          </p:cNvSpPr>
-          <p:nvPr/>
-        </p:nvSpPr>
-        <p:spPr>
-          <a:xfrm>
-            <a:off x="6536901" y="2998046"/>
-            <a:ext cx="2999749" cy="2999749"/>
-          </a:xfrm>
-          <a:prstGeom prst="ellipse">
-            <a:avLst/>
-          </a:prstGeom>
-          <a:noFill/>
-          <a:ln>
-            <a:noFill/>
-          </a:ln>
-        </p:spPr>
-        <p:style>
-          <a:lnRef idx="2">
-            <a:schemeClr val="accent1">
-              <a:shade val="15000"/>
-            </a:schemeClr>
-          </a:lnRef>
-          <a:fillRef idx="1">
-            <a:schemeClr val="accent1"/>
-          </a:fillRef>
-          <a:effectRef idx="0">
-            <a:schemeClr val="accent1"/>
-          </a:effectRef>
-          <a:fontRef idx="minor">
-            <a:schemeClr val="lt1"/>
-          </a:fontRef>
-        </p:style>
-        <p:txBody>
-          <a:bodyPr rtlCol="0" anchor="ctr"/>
-          <a:lstStyle/>
-          <a:p>
-            <a:pPr algn="ctr"/>
-            <a:endParaRPr lang="en-VN"/>
-          </a:p>
-        </p:txBody>
-      </p:sp>
-      <p:sp>
-        <p:nvSpPr>
-          <p:cNvPr id="50" name="TextBox 49">
-            <a:extLst>
-              <a:ext uri="{FF2B5EF4-FFF2-40B4-BE49-F238E27FC236}">
-                <a16:creationId xmlns:a16="http://schemas.microsoft.com/office/drawing/2014/main" id="{E3EE3CCC-44C0-5CEA-C129-E0D249DEC5D5}"/>
-              </a:ext>
-            </a:extLst>
-          </p:cNvPr>
-          <p:cNvSpPr txBox="1"/>
-          <p:nvPr/>
-        </p:nvSpPr>
-        <p:spPr>
-          <a:xfrm>
-            <a:off x="7069779" y="3803052"/>
-            <a:ext cx="2466872" cy="584775"/>
-          </a:xfrm>
-          <a:prstGeom prst="rect">
-            <a:avLst/>
-          </a:prstGeom>
-          <a:noFill/>
-        </p:spPr>
-        <p:txBody>
-          <a:bodyPr wrap="square" rtlCol="0">
-            <a:spAutoFit/>
-          </a:bodyPr>
-          <a:lstStyle/>
-          <a:p>
-            <a:r>
-              <a:rPr lang="en-VN" sz="3200" b="1">
-                <a:latin typeface="Aharoni" panose="020F0502020204030204" pitchFamily="34" charset="0"/>
-                <a:cs typeface="Aharoni" panose="020F0502020204030204" pitchFamily="34" charset="0"/>
-              </a:rPr>
-              <a:t>Q   uantum </a:t>
-            </a:r>
-          </a:p>
-        </p:txBody>
-      </p:sp>
-      <p:cxnSp>
-        <p:nvCxnSpPr>
-          <p:cNvPr id="51" name="Straight Connector 50">
-            <a:extLst>
-              <a:ext uri="{FF2B5EF4-FFF2-40B4-BE49-F238E27FC236}">
-                <a16:creationId xmlns:a16="http://schemas.microsoft.com/office/drawing/2014/main" id="{2FC0A5F1-E32F-0262-9B01-B176DF5BA1FE}"/>
-              </a:ext>
-            </a:extLst>
-          </p:cNvPr>
-          <p:cNvCxnSpPr>
-            <a:cxnSpLocks/>
-          </p:cNvCxnSpPr>
-          <p:nvPr/>
-        </p:nvCxnSpPr>
-        <p:spPr>
-          <a:xfrm>
-            <a:off x="7129971" y="4661511"/>
-            <a:ext cx="599252" cy="0"/>
-          </a:xfrm>
-          <a:prstGeom prst="line">
-            <a:avLst/>
-          </a:prstGeom>
-          <a:ln w="38100"/>
-        </p:spPr>
-        <p:style>
-          <a:lnRef idx="2">
-            <a:schemeClr val="dk1"/>
-          </a:lnRef>
-          <a:fillRef idx="0">
-            <a:schemeClr val="dk1"/>
-          </a:fillRef>
-          <a:effectRef idx="1">
-            <a:schemeClr val="dk1"/>
-          </a:effectRef>
-          <a:fontRef idx="minor">
-            <a:schemeClr val="tx1"/>
-          </a:fontRef>
-        </p:style>
-      </p:cxnSp>
-      <p:pic>
-        <p:nvPicPr>
-          <p:cNvPr id="52" name="Picture 4" descr="Quantum Computing Computer Urgent Care Research Clip Art PNG">
-            <a:extLst>
-              <a:ext uri="{FF2B5EF4-FFF2-40B4-BE49-F238E27FC236}">
-                <a16:creationId xmlns:a16="http://schemas.microsoft.com/office/drawing/2014/main" id="{8E2AE578-14C9-CAA7-73AE-D0113F68DC40}"/>
-              </a:ext>
-            </a:extLst>
-          </p:cNvPr>
-          <p:cNvPicPr>
-            <a:picLocks noChangeAspect="1" noChangeArrowheads="1"/>
-          </p:cNvPicPr>
-          <p:nvPr/>
-        </p:nvPicPr>
-        <p:blipFill>
-          <a:blip r:embed="rId2">
-            <a:extLst>
-              <a:ext uri="{BEBA8EAE-BF5A-486C-A8C5-ECC9F3942E4B}">
-                <a14:imgProps xmlns:a14="http://schemas.microsoft.com/office/drawing/2010/main">
-                  <a14:imgLayer r:embed="rId3">
-                    <a14:imgEffect>
-                      <a14:backgroundRemoval t="3147" b="97727" l="10000" r="90000">
-                        <a14:foregroundMark x1="44731" y1="91958" x2="46095" y2="92124"/>
-                        <a14:foregroundMark x1="43293" y1="91783" x2="44731" y2="91958"/>
-                        <a14:foregroundMark x1="43537" y1="7867" x2="53659" y2="3147"/>
-                        <a14:foregroundMark x1="51525" y1="93531" x2="56585" y2="93531"/>
-                        <a14:foregroundMark x1="43780" y1="93531" x2="47698" y2="93531"/>
-                        <a14:foregroundMark x1="49735" y1="97643" x2="52073" y2="97727"/>
-                        <a14:backgroundMark x1="47927" y1="93007" x2="51829" y2="92832"/>
-                      </a14:backgroundRemoval>
-                    </a14:imgEffect>
-                  </a14:imgLayer>
-                </a14:imgProps>
-              </a:ext>
-              <a:ext uri="{28A0092B-C50C-407E-A947-70E740481C1C}">
-                <a14:useLocalDpi xmlns:a14="http://schemas.microsoft.com/office/drawing/2010/main" val="0"/>
-              </a:ext>
-            </a:extLst>
-          </a:blip>
-          <a:srcRect/>
-          <a:stretch>
-            <a:fillRect/>
-          </a:stretch>
-        </p:blipFill>
-        <p:spPr bwMode="auto">
-          <a:xfrm>
-            <a:off x="6601816" y="3583941"/>
-            <a:ext cx="1466530" cy="1022995"/>
-          </a:xfrm>
-          <a:prstGeom prst="rect">
-            <a:avLst/>
-          </a:prstGeom>
-          <a:noFill/>
-          <a:extLst>
-            <a:ext uri="{909E8E84-426E-40DD-AFC4-6F175D3DCCD1}">
-              <a14:hiddenFill xmlns:a14="http://schemas.microsoft.com/office/drawing/2010/main">
-                <a:solidFill>
-                  <a:srgbClr val="FFFFFF"/>
-                </a:solidFill>
-              </a14:hiddenFill>
-            </a:ext>
-          </a:extLst>
-        </p:spPr>
-      </p:pic>
-      <p:cxnSp>
-        <p:nvCxnSpPr>
-          <p:cNvPr id="53" name="Straight Connector 52">
-            <a:extLst>
-              <a:ext uri="{FF2B5EF4-FFF2-40B4-BE49-F238E27FC236}">
-                <a16:creationId xmlns:a16="http://schemas.microsoft.com/office/drawing/2014/main" id="{D90BC827-AAF8-AFB9-935E-8378A69B4EAE}"/>
-              </a:ext>
-            </a:extLst>
-          </p:cNvPr>
-          <p:cNvCxnSpPr>
-            <a:cxnSpLocks/>
-          </p:cNvCxnSpPr>
-          <p:nvPr/>
-        </p:nvCxnSpPr>
-        <p:spPr>
-          <a:xfrm>
-            <a:off x="7864262" y="4334331"/>
-            <a:ext cx="1440000" cy="0"/>
-          </a:xfrm>
-          <a:prstGeom prst="line">
-            <a:avLst/>
-          </a:prstGeom>
-          <a:ln w="38100"/>
-        </p:spPr>
-        <p:style>
-          <a:lnRef idx="2">
-            <a:schemeClr val="dk1"/>
-          </a:lnRef>
-          <a:fillRef idx="0">
-            <a:schemeClr val="dk1"/>
-          </a:fillRef>
-          <a:effectRef idx="1">
-            <a:schemeClr val="dk1"/>
-          </a:effectRef>
-          <a:fontRef idx="minor">
-            <a:schemeClr val="tx1"/>
-          </a:fontRef>
-        </p:style>
-      </p:cxnSp>
-      <p:pic>
-        <p:nvPicPr>
-          <p:cNvPr id="54" name="Picture 4">
-            <a:extLst>
-              <a:ext uri="{FF2B5EF4-FFF2-40B4-BE49-F238E27FC236}">
-                <a16:creationId xmlns:a16="http://schemas.microsoft.com/office/drawing/2014/main" id="{5B74924D-C00C-9D44-6ABC-CC2F8AF3D673}"/>
-              </a:ext>
-            </a:extLst>
-          </p:cNvPr>
-          <p:cNvPicPr>
-            <a:picLocks noChangeAspect="1" noChangeArrowheads="1"/>
-          </p:cNvPicPr>
-          <p:nvPr/>
-        </p:nvPicPr>
-        <p:blipFill rotWithShape="1">
-          <a:blip r:embed="rId4">
-            <a:extLst>
-              <a:ext uri="{28A0092B-C50C-407E-A947-70E740481C1C}">
-                <a14:useLocalDpi xmlns:a14="http://schemas.microsoft.com/office/drawing/2010/main" val="0"/>
-              </a:ext>
-            </a:extLst>
-          </a:blip>
-          <a:srcRect l="54166" t="30055"/>
-          <a:stretch>
-            <a:fillRect/>
-          </a:stretch>
-        </p:blipFill>
-        <p:spPr bwMode="auto">
-          <a:xfrm>
-            <a:off x="7074671" y="4719473"/>
-            <a:ext cx="1651572" cy="1235893"/>
-          </a:xfrm>
-          <a:prstGeom prst="rect">
-            <a:avLst/>
-          </a:prstGeom>
-          <a:noFill/>
-          <a:extLst>
-            <a:ext uri="{909E8E84-426E-40DD-AFC4-6F175D3DCCD1}">
-              <a14:hiddenFill xmlns:a14="http://schemas.microsoft.com/office/drawing/2010/main">
-                <a:solidFill>
-                  <a:srgbClr val="FFFFFF"/>
-                </a:solidFill>
-              </a14:hiddenFill>
-            </a:ext>
-          </a:extLst>
-        </p:spPr>
-      </p:pic>
-      <p:cxnSp>
-        <p:nvCxnSpPr>
-          <p:cNvPr id="55" name="Straight Connector 54">
-            <a:extLst>
-              <a:ext uri="{FF2B5EF4-FFF2-40B4-BE49-F238E27FC236}">
-                <a16:creationId xmlns:a16="http://schemas.microsoft.com/office/drawing/2014/main" id="{BEB85B52-C5D0-2283-762F-BAEC5E7C763E}"/>
-              </a:ext>
-            </a:extLst>
-          </p:cNvPr>
-          <p:cNvCxnSpPr>
-            <a:cxnSpLocks/>
-          </p:cNvCxnSpPr>
-          <p:nvPr/>
-        </p:nvCxnSpPr>
-        <p:spPr>
-          <a:xfrm flipV="1">
-            <a:off x="7729223" y="4334331"/>
-            <a:ext cx="161925" cy="327180"/>
-          </a:xfrm>
-          <a:prstGeom prst="line">
-            <a:avLst/>
-          </a:prstGeom>
-          <a:ln w="38100"/>
-        </p:spPr>
-        <p:style>
-          <a:lnRef idx="2">
-            <a:schemeClr val="dk1"/>
-          </a:lnRef>
-          <a:fillRef idx="0">
-            <a:schemeClr val="dk1"/>
-          </a:fillRef>
-          <a:effectRef idx="1">
-            <a:schemeClr val="dk1"/>
-          </a:effectRef>
-          <a:fontRef idx="minor">
-            <a:schemeClr val="tx1"/>
-          </a:fontRef>
-        </p:style>
-      </p:cxnSp>
-      <p:sp>
-        <p:nvSpPr>
-          <p:cNvPr id="56" name="TextBox 55">
-            <a:extLst>
-              <a:ext uri="{FF2B5EF4-FFF2-40B4-BE49-F238E27FC236}">
-                <a16:creationId xmlns:a16="http://schemas.microsoft.com/office/drawing/2014/main" id="{031031BA-20E1-5FED-4756-8A05869CC7D5}"/>
-              </a:ext>
-            </a:extLst>
-          </p:cNvPr>
-          <p:cNvSpPr txBox="1"/>
-          <p:nvPr/>
-        </p:nvSpPr>
-        <p:spPr>
-          <a:xfrm>
-            <a:off x="7836554" y="4279756"/>
-            <a:ext cx="1486642" cy="584775"/>
-          </a:xfrm>
-          <a:prstGeom prst="rect">
-            <a:avLst/>
-          </a:prstGeom>
-          <a:noFill/>
-        </p:spPr>
-        <p:txBody>
-          <a:bodyPr wrap="square" rtlCol="0">
-            <a:spAutoFit/>
-          </a:bodyPr>
-          <a:lstStyle/>
-          <a:p>
-            <a:r>
-              <a:rPr lang="en-VN" sz="3200" b="1">
-                <a:latin typeface="Aharoni" panose="020F0502020204030204" pitchFamily="34" charset="0"/>
-                <a:cs typeface="Aharoni" panose="020F0502020204030204" pitchFamily="34" charset="0"/>
-              </a:rPr>
-              <a:t>at </a:t>
-            </a:r>
-          </a:p>
-        </p:txBody>
-      </p:sp>
-      <p:sp>
-        <p:nvSpPr>
-          <p:cNvPr id="2" name="TextBox 1">
-            <a:extLst>
-              <a:ext uri="{FF2B5EF4-FFF2-40B4-BE49-F238E27FC236}">
-                <a16:creationId xmlns:a16="http://schemas.microsoft.com/office/drawing/2014/main" id="{2E1619BB-E993-339D-8377-70F01CC473BB}"/>
-              </a:ext>
-            </a:extLst>
-          </p:cNvPr>
-          <p:cNvSpPr txBox="1"/>
-          <p:nvPr/>
-        </p:nvSpPr>
-        <p:spPr>
-          <a:xfrm>
-            <a:off x="2752939" y="3954123"/>
-            <a:ext cx="2658079" cy="461665"/>
-          </a:xfrm>
-          <a:prstGeom prst="rect">
-            <a:avLst/>
-          </a:prstGeom>
-          <a:noFill/>
-        </p:spPr>
-        <p:txBody>
-          <a:bodyPr wrap="square" rtlCol="0">
-            <a:spAutoFit/>
-          </a:bodyPr>
-          <a:lstStyle/>
-          <a:p>
-            <a:r>
-              <a:rPr lang="en-VN" sz="2400" b="1">
-                <a:solidFill>
-                  <a:srgbClr val="2A326C"/>
-                </a:solidFill>
-                <a:latin typeface="Aharoni" panose="020F0502020204030204" pitchFamily="34" charset="0"/>
-                <a:cs typeface="Aharoni" panose="020F0502020204030204" pitchFamily="34" charset="0"/>
-              </a:rPr>
-              <a:t>Ho Chi Minh city </a:t>
-            </a:r>
-          </a:p>
-        </p:txBody>
-      </p:sp>
-    </p:spTree>
-    <p:extLst>
-      <p:ext uri="{BB962C8B-B14F-4D97-AF65-F5344CB8AC3E}">
-        <p14:creationId xmlns:p14="http://schemas.microsoft.com/office/powerpoint/2010/main" val="3600387749"/>
-      </p:ext>
-    </p:extLst>
-  </p:cSld>
-  <p:clrMapOvr>
-    <a:masterClrMapping/>
-  </p:clrMapOvr>
-</p:sld>
-</file>
-
-<file path=ppt/slides/slide3.xml><?xml version="1.0" encoding="utf-8"?>
-<p:sld xmlns:a="http://schemas.openxmlformats.org/drawingml/2006/main" xmlns:r="http://schemas.openxmlformats.org/officeDocument/2006/relationships" xmlns:p="http://schemas.openxmlformats.org/presentationml/2006/main">
-  <p:cSld>
-    <p:spTree>
-      <p:nvGrpSpPr>
-        <p:cNvPr id="1" name="">
-          <a:extLst>
-            <a:ext uri="{FF2B5EF4-FFF2-40B4-BE49-F238E27FC236}">
-              <a16:creationId xmlns:a16="http://schemas.microsoft.com/office/drawing/2014/main" id="{8C71637A-1F19-24AC-3D14-84F707B3C72B}"/>
-            </a:ext>
-          </a:extLst>
-        </p:cNvPr>
-        <p:cNvGrpSpPr/>
-        <p:nvPr/>
-      </p:nvGrpSpPr>
-      <p:grpSpPr>
-        <a:xfrm>
-          <a:off x="0" y="0"/>
-          <a:ext cx="0" cy="0"/>
-          <a:chOff x="0" y="0"/>
-          <a:chExt cx="0" cy="0"/>
-        </a:xfrm>
-      </p:grpSpPr>
-      <p:sp>
-        <p:nvSpPr>
-          <p:cNvPr id="4" name="TextBox 3">
-            <a:extLst>
-              <a:ext uri="{FF2B5EF4-FFF2-40B4-BE49-F238E27FC236}">
-                <a16:creationId xmlns:a16="http://schemas.microsoft.com/office/drawing/2014/main" id="{34AB47C8-C3DA-32A4-5CB1-BC839A151024}"/>
-              </a:ext>
-            </a:extLst>
-          </p:cNvPr>
-          <p:cNvSpPr txBox="1"/>
-          <p:nvPr/>
-        </p:nvSpPr>
-        <p:spPr>
-          <a:xfrm>
-            <a:off x="2998155" y="3001265"/>
-            <a:ext cx="2924537" cy="584775"/>
-          </a:xfrm>
-          <a:prstGeom prst="rect">
-            <a:avLst/>
-          </a:prstGeom>
-          <a:noFill/>
-        </p:spPr>
-        <p:txBody>
-          <a:bodyPr wrap="square" rtlCol="0">
-            <a:spAutoFit/>
-          </a:bodyPr>
-          <a:lstStyle/>
-          <a:p>
-            <a:r>
-              <a:rPr lang="en-VN" sz="3200" b="1">
-                <a:latin typeface="Aharoni" panose="020F0502020204030204" pitchFamily="34" charset="0"/>
-                <a:cs typeface="Aharoni" panose="020F0502020204030204" pitchFamily="34" charset="0"/>
-              </a:rPr>
-              <a:t>Q   uantum at </a:t>
-            </a:r>
-          </a:p>
-        </p:txBody>
-      </p:sp>
-      <p:cxnSp>
-        <p:nvCxnSpPr>
-          <p:cNvPr id="6" name="Straight Connector 5">
-            <a:extLst>
-              <a:ext uri="{FF2B5EF4-FFF2-40B4-BE49-F238E27FC236}">
-                <a16:creationId xmlns:a16="http://schemas.microsoft.com/office/drawing/2014/main" id="{EBD646CE-B835-05BA-EF65-718E38E34B44}"/>
-              </a:ext>
-            </a:extLst>
-          </p:cNvPr>
-          <p:cNvCxnSpPr>
-            <a:cxnSpLocks/>
-          </p:cNvCxnSpPr>
-          <p:nvPr/>
-        </p:nvCxnSpPr>
-        <p:spPr>
-          <a:xfrm>
-            <a:off x="3058348" y="3859724"/>
-            <a:ext cx="599252" cy="0"/>
-          </a:xfrm>
-          <a:prstGeom prst="line">
-            <a:avLst/>
-          </a:prstGeom>
-          <a:ln w="38100"/>
-        </p:spPr>
-        <p:style>
-          <a:lnRef idx="2">
-            <a:schemeClr val="dk1"/>
-          </a:lnRef>
-          <a:fillRef idx="0">
-            <a:schemeClr val="dk1"/>
-          </a:fillRef>
-          <a:effectRef idx="1">
-            <a:schemeClr val="dk1"/>
-          </a:effectRef>
-          <a:fontRef idx="minor">
-            <a:schemeClr val="tx1"/>
-          </a:fontRef>
-        </p:style>
-      </p:cxnSp>
-      <p:pic>
-        <p:nvPicPr>
-          <p:cNvPr id="1028" name="Picture 4">
-            <a:extLst>
-              <a:ext uri="{FF2B5EF4-FFF2-40B4-BE49-F238E27FC236}">
-                <a16:creationId xmlns:a16="http://schemas.microsoft.com/office/drawing/2014/main" id="{1865B243-2E62-7036-6362-FFB6D570389C}"/>
-              </a:ext>
-            </a:extLst>
-          </p:cNvPr>
-          <p:cNvPicPr>
-            <a:picLocks noChangeAspect="1" noChangeArrowheads="1"/>
-          </p:cNvPicPr>
-          <p:nvPr/>
-        </p:nvPicPr>
-        <p:blipFill rotWithShape="1">
-          <a:blip r:embed="rId2">
-            <a:extLst>
-              <a:ext uri="{28A0092B-C50C-407E-A947-70E740481C1C}">
-                <a14:useLocalDpi xmlns:a14="http://schemas.microsoft.com/office/drawing/2010/main" val="0"/>
-              </a:ext>
-            </a:extLst>
-          </a:blip>
-          <a:srcRect l="8977" t="30055" r="46494"/>
-          <a:stretch>
-            <a:fillRect/>
-          </a:stretch>
-        </p:blipFill>
-        <p:spPr bwMode="auto">
-          <a:xfrm>
-            <a:off x="3792639" y="3593186"/>
-            <a:ext cx="2130053" cy="1640658"/>
-          </a:xfrm>
-          <a:prstGeom prst="rect">
-            <a:avLst/>
-          </a:prstGeom>
-          <a:noFill/>
-          <a:extLst>
-            <a:ext uri="{909E8E84-426E-40DD-AFC4-6F175D3DCCD1}">
-              <a14:hiddenFill xmlns:a14="http://schemas.microsoft.com/office/drawing/2010/main">
-                <a:solidFill>
-                  <a:srgbClr val="FFFFFF"/>
-                </a:solidFill>
-              </a14:hiddenFill>
-            </a:ext>
-          </a:extLst>
-        </p:spPr>
-      </p:pic>
-      <p:pic>
-        <p:nvPicPr>
-          <p:cNvPr id="8" name="Picture 4" descr="Quantum Computing Computer Urgent Care Research Clip Art PNG">
-            <a:extLst>
-              <a:ext uri="{FF2B5EF4-FFF2-40B4-BE49-F238E27FC236}">
-                <a16:creationId xmlns:a16="http://schemas.microsoft.com/office/drawing/2014/main" id="{2905CBCA-0B73-D533-1636-7AA7BDD67A2C}"/>
-              </a:ext>
-            </a:extLst>
-          </p:cNvPr>
-          <p:cNvPicPr>
-            <a:picLocks noChangeAspect="1" noChangeArrowheads="1"/>
-          </p:cNvPicPr>
-          <p:nvPr/>
-        </p:nvPicPr>
-        <p:blipFill>
-          <a:blip r:embed="rId3">
-            <a:extLst>
-              <a:ext uri="{BEBA8EAE-BF5A-486C-A8C5-ECC9F3942E4B}">
-                <a14:imgProps xmlns:a14="http://schemas.microsoft.com/office/drawing/2010/main">
-                  <a14:imgLayer r:embed="rId4">
-                    <a14:imgEffect>
-                      <a14:backgroundRemoval t="3147" b="97727" l="10000" r="90000">
-                        <a14:foregroundMark x1="44731" y1="91958" x2="46095" y2="92124"/>
-                        <a14:foregroundMark x1="43293" y1="91783" x2="44731" y2="91958"/>
-                        <a14:foregroundMark x1="43537" y1="7867" x2="53659" y2="3147"/>
-                        <a14:foregroundMark x1="51525" y1="93531" x2="56585" y2="93531"/>
-                        <a14:foregroundMark x1="43780" y1="93531" x2="47698" y2="93531"/>
-                        <a14:foregroundMark x1="49735" y1="97643" x2="52073" y2="97727"/>
-                        <a14:backgroundMark x1="47927" y1="93007" x2="51829" y2="92832"/>
-                      </a14:backgroundRemoval>
-                    </a14:imgEffect>
-                  </a14:imgLayer>
-                </a14:imgProps>
-              </a:ext>
-              <a:ext uri="{28A0092B-C50C-407E-A947-70E740481C1C}">
-                <a14:useLocalDpi xmlns:a14="http://schemas.microsoft.com/office/drawing/2010/main" val="0"/>
-              </a:ext>
-            </a:extLst>
-          </a:blip>
-          <a:srcRect/>
-          <a:stretch>
-            <a:fillRect/>
-          </a:stretch>
-        </p:blipFill>
-        <p:spPr bwMode="auto">
-          <a:xfrm>
-            <a:off x="2530193" y="2782154"/>
-            <a:ext cx="1466530" cy="1022995"/>
-          </a:xfrm>
-          <a:prstGeom prst="rect">
-            <a:avLst/>
-          </a:prstGeom>
-          <a:noFill/>
-          <a:extLst>
-            <a:ext uri="{909E8E84-426E-40DD-AFC4-6F175D3DCCD1}">
-              <a14:hiddenFill xmlns:a14="http://schemas.microsoft.com/office/drawing/2010/main">
-                <a:solidFill>
-                  <a:srgbClr val="FFFFFF"/>
-                </a:solidFill>
-              </a14:hiddenFill>
-            </a:ext>
-          </a:extLst>
-        </p:spPr>
-      </p:pic>
-      <p:cxnSp>
-        <p:nvCxnSpPr>
-          <p:cNvPr id="10" name="Straight Connector 9">
-            <a:extLst>
-              <a:ext uri="{FF2B5EF4-FFF2-40B4-BE49-F238E27FC236}">
-                <a16:creationId xmlns:a16="http://schemas.microsoft.com/office/drawing/2014/main" id="{6CD8E85B-B4F5-664F-6C6A-9E658467F7EE}"/>
-              </a:ext>
-            </a:extLst>
-          </p:cNvPr>
-          <p:cNvCxnSpPr>
-            <a:cxnSpLocks/>
-          </p:cNvCxnSpPr>
-          <p:nvPr/>
-        </p:nvCxnSpPr>
-        <p:spPr>
-          <a:xfrm>
-            <a:off x="3792639" y="3532544"/>
-            <a:ext cx="1943143" cy="0"/>
-          </a:xfrm>
-          <a:prstGeom prst="line">
-            <a:avLst/>
-          </a:prstGeom>
-          <a:ln w="38100"/>
-        </p:spPr>
-        <p:style>
-          <a:lnRef idx="2">
-            <a:schemeClr val="dk1"/>
-          </a:lnRef>
-          <a:fillRef idx="0">
-            <a:schemeClr val="dk1"/>
-          </a:fillRef>
-          <a:effectRef idx="1">
-            <a:schemeClr val="dk1"/>
-          </a:effectRef>
-          <a:fontRef idx="minor">
-            <a:schemeClr val="tx1"/>
-          </a:fontRef>
-        </p:style>
-      </p:cxnSp>
-      <p:pic>
-        <p:nvPicPr>
-          <p:cNvPr id="15" name="Picture 4">
-            <a:extLst>
-              <a:ext uri="{FF2B5EF4-FFF2-40B4-BE49-F238E27FC236}">
-                <a16:creationId xmlns:a16="http://schemas.microsoft.com/office/drawing/2014/main" id="{0F2F06EE-6996-4C3A-3A1F-0C481A1F6230}"/>
-              </a:ext>
-            </a:extLst>
-          </p:cNvPr>
-          <p:cNvPicPr>
-            <a:picLocks noChangeAspect="1" noChangeArrowheads="1"/>
-          </p:cNvPicPr>
-          <p:nvPr/>
-        </p:nvPicPr>
-        <p:blipFill rotWithShape="1">
-          <a:blip r:embed="rId2">
-            <a:extLst>
-              <a:ext uri="{28A0092B-C50C-407E-A947-70E740481C1C}">
-                <a14:useLocalDpi xmlns:a14="http://schemas.microsoft.com/office/drawing/2010/main" val="0"/>
-              </a:ext>
-            </a:extLst>
-          </a:blip>
-          <a:srcRect l="54166" t="30055"/>
-          <a:stretch>
-            <a:fillRect/>
-          </a:stretch>
-        </p:blipFill>
-        <p:spPr bwMode="auto">
-          <a:xfrm>
-            <a:off x="2969285" y="3842486"/>
-            <a:ext cx="1651572" cy="1235893"/>
-          </a:xfrm>
-          <a:prstGeom prst="rect">
-            <a:avLst/>
-          </a:prstGeom>
-          <a:noFill/>
-          <a:extLst>
-            <a:ext uri="{909E8E84-426E-40DD-AFC4-6F175D3DCCD1}">
-              <a14:hiddenFill xmlns:a14="http://schemas.microsoft.com/office/drawing/2010/main">
-                <a:solidFill>
-                  <a:srgbClr val="FFFFFF"/>
-                </a:solidFill>
-              </a14:hiddenFill>
-            </a:ext>
-          </a:extLst>
-        </p:spPr>
-      </p:pic>
-      <p:cxnSp>
-        <p:nvCxnSpPr>
-          <p:cNvPr id="29" name="Straight Connector 28">
-            <a:extLst>
-              <a:ext uri="{FF2B5EF4-FFF2-40B4-BE49-F238E27FC236}">
-                <a16:creationId xmlns:a16="http://schemas.microsoft.com/office/drawing/2014/main" id="{92E5D081-A154-AACD-D8D3-87DA99EE8775}"/>
-              </a:ext>
-            </a:extLst>
-          </p:cNvPr>
-          <p:cNvCxnSpPr>
-            <a:cxnSpLocks/>
-          </p:cNvCxnSpPr>
-          <p:nvPr/>
-        </p:nvCxnSpPr>
-        <p:spPr>
-          <a:xfrm flipV="1">
-            <a:off x="3657600" y="3532544"/>
-            <a:ext cx="161925" cy="327180"/>
-          </a:xfrm>
-          <a:prstGeom prst="line">
-            <a:avLst/>
-          </a:prstGeom>
-          <a:ln w="38100"/>
-        </p:spPr>
-        <p:style>
-          <a:lnRef idx="2">
-            <a:schemeClr val="dk1"/>
-          </a:lnRef>
-          <a:fillRef idx="0">
-            <a:schemeClr val="dk1"/>
-          </a:fillRef>
-          <a:effectRef idx="1">
-            <a:schemeClr val="dk1"/>
-          </a:effectRef>
-          <a:fontRef idx="minor">
-            <a:schemeClr val="tx1"/>
-          </a:fontRef>
-        </p:style>
-      </p:cxnSp>
-      <p:sp>
-        <p:nvSpPr>
-          <p:cNvPr id="33" name="Oval 32">
-            <a:extLst>
-              <a:ext uri="{FF2B5EF4-FFF2-40B4-BE49-F238E27FC236}">
-                <a16:creationId xmlns:a16="http://schemas.microsoft.com/office/drawing/2014/main" id="{09EFA628-4CA9-4D18-FBDF-87562EC49C64}"/>
-              </a:ext>
-            </a:extLst>
-          </p:cNvPr>
-          <p:cNvSpPr>
-            <a:spLocks noChangeAspect="1"/>
-          </p:cNvSpPr>
-          <p:nvPr/>
-        </p:nvSpPr>
-        <p:spPr>
-          <a:xfrm>
-            <a:off x="2530193" y="2005149"/>
-            <a:ext cx="3600000" cy="3600000"/>
-          </a:xfrm>
-          <a:prstGeom prst="ellipse">
-            <a:avLst/>
-          </a:prstGeom>
-          <a:noFill/>
-          <a:ln>
-            <a:noFill/>
-          </a:ln>
-        </p:spPr>
-        <p:style>
-          <a:lnRef idx="2">
-            <a:schemeClr val="accent1">
-              <a:shade val="15000"/>
-            </a:schemeClr>
-          </a:lnRef>
-          <a:fillRef idx="1">
-            <a:schemeClr val="accent1"/>
-          </a:fillRef>
-          <a:effectRef idx="0">
-            <a:schemeClr val="accent1"/>
-          </a:effectRef>
-          <a:fontRef idx="minor">
-            <a:schemeClr val="lt1"/>
-          </a:fontRef>
-        </p:style>
-        <p:txBody>
-          <a:bodyPr rtlCol="0" anchor="ctr"/>
-          <a:lstStyle/>
-          <a:p>
-            <a:pPr algn="ctr"/>
-            <a:endParaRPr lang="en-VN"/>
-          </a:p>
-        </p:txBody>
-      </p:sp>
-      <p:sp>
-        <p:nvSpPr>
-          <p:cNvPr id="34" name="TextBox 33">
-            <a:extLst>
-              <a:ext uri="{FF2B5EF4-FFF2-40B4-BE49-F238E27FC236}">
-                <a16:creationId xmlns:a16="http://schemas.microsoft.com/office/drawing/2014/main" id="{B7721646-0307-3211-1525-AF564E89E617}"/>
-              </a:ext>
-            </a:extLst>
-          </p:cNvPr>
-          <p:cNvSpPr txBox="1"/>
-          <p:nvPr/>
-        </p:nvSpPr>
-        <p:spPr>
-          <a:xfrm>
-            <a:off x="6563962" y="886087"/>
-            <a:ext cx="2924537" cy="584775"/>
-          </a:xfrm>
-          <a:prstGeom prst="rect">
-            <a:avLst/>
-          </a:prstGeom>
-          <a:noFill/>
-        </p:spPr>
-        <p:txBody>
-          <a:bodyPr wrap="square" rtlCol="0">
-            <a:spAutoFit/>
-          </a:bodyPr>
-          <a:lstStyle/>
-          <a:p>
-            <a:r>
-              <a:rPr lang="en-VN" sz="3200" b="1">
-                <a:latin typeface="Aharoni" panose="020F0502020204030204" pitchFamily="34" charset="0"/>
-                <a:cs typeface="Aharoni" panose="020F0502020204030204" pitchFamily="34" charset="0"/>
-              </a:rPr>
-              <a:t>Q   uantum at </a:t>
-            </a:r>
-          </a:p>
-        </p:txBody>
-      </p:sp>
-      <p:cxnSp>
-        <p:nvCxnSpPr>
-          <p:cNvPr id="35" name="Straight Connector 34">
-            <a:extLst>
-              <a:ext uri="{FF2B5EF4-FFF2-40B4-BE49-F238E27FC236}">
-                <a16:creationId xmlns:a16="http://schemas.microsoft.com/office/drawing/2014/main" id="{5263DCEF-0BA2-2E6A-B12C-20AABE640983}"/>
-              </a:ext>
-            </a:extLst>
-          </p:cNvPr>
-          <p:cNvCxnSpPr>
-            <a:cxnSpLocks/>
-          </p:cNvCxnSpPr>
-          <p:nvPr/>
-        </p:nvCxnSpPr>
-        <p:spPr>
-          <a:xfrm>
-            <a:off x="6624155" y="1744546"/>
-            <a:ext cx="599252" cy="0"/>
-          </a:xfrm>
-          <a:prstGeom prst="line">
-            <a:avLst/>
-          </a:prstGeom>
-          <a:ln w="38100"/>
-        </p:spPr>
-        <p:style>
-          <a:lnRef idx="2">
-            <a:schemeClr val="dk1"/>
-          </a:lnRef>
-          <a:fillRef idx="0">
-            <a:schemeClr val="dk1"/>
-          </a:fillRef>
-          <a:effectRef idx="1">
-            <a:schemeClr val="dk1"/>
-          </a:effectRef>
-          <a:fontRef idx="minor">
-            <a:schemeClr val="tx1"/>
-          </a:fontRef>
-        </p:style>
-      </p:cxnSp>
-      <p:pic>
-        <p:nvPicPr>
-          <p:cNvPr id="36" name="Picture 4">
-            <a:extLst>
-              <a:ext uri="{FF2B5EF4-FFF2-40B4-BE49-F238E27FC236}">
-                <a16:creationId xmlns:a16="http://schemas.microsoft.com/office/drawing/2014/main" id="{E23ED1E3-77E7-68B1-F6CB-F4DCB55C298E}"/>
-              </a:ext>
-            </a:extLst>
-          </p:cNvPr>
-          <p:cNvPicPr>
-            <a:picLocks noChangeAspect="1" noChangeArrowheads="1"/>
-          </p:cNvPicPr>
-          <p:nvPr/>
-        </p:nvPicPr>
-        <p:blipFill rotWithShape="1">
-          <a:blip r:embed="rId2">
-            <a:extLst>
-              <a:ext uri="{28A0092B-C50C-407E-A947-70E740481C1C}">
-                <a14:useLocalDpi xmlns:a14="http://schemas.microsoft.com/office/drawing/2010/main" val="0"/>
-              </a:ext>
-            </a:extLst>
-          </a:blip>
-          <a:srcRect l="8978" t="30055" r="-1247"/>
-          <a:stretch>
-            <a:fillRect/>
-          </a:stretch>
-        </p:blipFill>
-        <p:spPr bwMode="auto">
-          <a:xfrm>
-            <a:off x="7404034" y="1509459"/>
-            <a:ext cx="3600000" cy="1338173"/>
-          </a:xfrm>
-          <a:prstGeom prst="rect">
-            <a:avLst/>
-          </a:prstGeom>
-          <a:noFill/>
-          <a:extLst>
-            <a:ext uri="{909E8E84-426E-40DD-AFC4-6F175D3DCCD1}">
-              <a14:hiddenFill xmlns:a14="http://schemas.microsoft.com/office/drawing/2010/main">
-                <a:solidFill>
-                  <a:srgbClr val="FFFFFF"/>
-                </a:solidFill>
-              </a14:hiddenFill>
-            </a:ext>
-          </a:extLst>
-        </p:spPr>
-      </p:pic>
-      <p:pic>
-        <p:nvPicPr>
-          <p:cNvPr id="37" name="Picture 4" descr="Quantum Computing Computer Urgent Care Research Clip Art PNG">
-            <a:extLst>
-              <a:ext uri="{FF2B5EF4-FFF2-40B4-BE49-F238E27FC236}">
-                <a16:creationId xmlns:a16="http://schemas.microsoft.com/office/drawing/2014/main" id="{D78EC61E-9B4C-3C63-F94D-D5F65CAE0911}"/>
-              </a:ext>
-            </a:extLst>
-          </p:cNvPr>
-          <p:cNvPicPr>
-            <a:picLocks noChangeAspect="1" noChangeArrowheads="1"/>
-          </p:cNvPicPr>
-          <p:nvPr/>
-        </p:nvPicPr>
-        <p:blipFill>
-          <a:blip r:embed="rId3">
-            <a:extLst>
-              <a:ext uri="{BEBA8EAE-BF5A-486C-A8C5-ECC9F3942E4B}">
-                <a14:imgProps xmlns:a14="http://schemas.microsoft.com/office/drawing/2010/main">
-                  <a14:imgLayer r:embed="rId4">
-                    <a14:imgEffect>
-                      <a14:backgroundRemoval t="3147" b="97727" l="10000" r="90000">
-                        <a14:foregroundMark x1="44731" y1="91958" x2="46095" y2="92124"/>
-                        <a14:foregroundMark x1="43293" y1="91783" x2="44731" y2="91958"/>
-                        <a14:foregroundMark x1="43537" y1="7867" x2="53659" y2="3147"/>
-                        <a14:foregroundMark x1="51525" y1="93531" x2="56585" y2="93531"/>
-                        <a14:foregroundMark x1="43780" y1="93531" x2="47698" y2="93531"/>
-                        <a14:foregroundMark x1="49735" y1="97643" x2="52073" y2="97727"/>
-                        <a14:backgroundMark x1="47927" y1="93007" x2="51829" y2="92832"/>
-                      </a14:backgroundRemoval>
-                    </a14:imgEffect>
-                  </a14:imgLayer>
-                </a14:imgProps>
-              </a:ext>
-              <a:ext uri="{28A0092B-C50C-407E-A947-70E740481C1C}">
-                <a14:useLocalDpi xmlns:a14="http://schemas.microsoft.com/office/drawing/2010/main" val="0"/>
-              </a:ext>
-            </a:extLst>
-          </a:blip>
-          <a:srcRect/>
-          <a:stretch>
-            <a:fillRect/>
-          </a:stretch>
-        </p:blipFill>
-        <p:spPr bwMode="auto">
-          <a:xfrm>
-            <a:off x="6096000" y="666976"/>
-            <a:ext cx="1466530" cy="1022995"/>
-          </a:xfrm>
-          <a:prstGeom prst="rect">
-            <a:avLst/>
-          </a:prstGeom>
-          <a:noFill/>
-          <a:extLst>
-            <a:ext uri="{909E8E84-426E-40DD-AFC4-6F175D3DCCD1}">
-              <a14:hiddenFill xmlns:a14="http://schemas.microsoft.com/office/drawing/2010/main">
-                <a:solidFill>
-                  <a:srgbClr val="FFFFFF"/>
-                </a:solidFill>
-              </a14:hiddenFill>
-            </a:ext>
-          </a:extLst>
-        </p:spPr>
-      </p:pic>
-      <p:cxnSp>
-        <p:nvCxnSpPr>
-          <p:cNvPr id="38" name="Straight Connector 37">
-            <a:extLst>
-              <a:ext uri="{FF2B5EF4-FFF2-40B4-BE49-F238E27FC236}">
-                <a16:creationId xmlns:a16="http://schemas.microsoft.com/office/drawing/2014/main" id="{45662120-3115-9C76-3124-3A9EB85B7A5F}"/>
-              </a:ext>
-            </a:extLst>
-          </p:cNvPr>
-          <p:cNvCxnSpPr>
-            <a:cxnSpLocks/>
-          </p:cNvCxnSpPr>
-          <p:nvPr/>
-        </p:nvCxnSpPr>
-        <p:spPr>
-          <a:xfrm>
-            <a:off x="7358446" y="1417366"/>
-            <a:ext cx="1943143" cy="0"/>
-          </a:xfrm>
-          <a:prstGeom prst="line">
-            <a:avLst/>
-          </a:prstGeom>
-          <a:ln w="38100"/>
-        </p:spPr>
-        <p:style>
-          <a:lnRef idx="2">
-            <a:schemeClr val="dk1"/>
-          </a:lnRef>
-          <a:fillRef idx="0">
-            <a:schemeClr val="dk1"/>
-          </a:fillRef>
-          <a:effectRef idx="1">
-            <a:schemeClr val="dk1"/>
-          </a:effectRef>
-          <a:fontRef idx="minor">
-            <a:schemeClr val="tx1"/>
-          </a:fontRef>
-        </p:style>
-      </p:cxnSp>
-      <p:cxnSp>
-        <p:nvCxnSpPr>
-          <p:cNvPr id="40" name="Straight Connector 39">
-            <a:extLst>
-              <a:ext uri="{FF2B5EF4-FFF2-40B4-BE49-F238E27FC236}">
-                <a16:creationId xmlns:a16="http://schemas.microsoft.com/office/drawing/2014/main" id="{3D7E5E5C-F220-9AD3-8807-1EF6210B9D75}"/>
-              </a:ext>
-            </a:extLst>
-          </p:cNvPr>
-          <p:cNvCxnSpPr>
-            <a:cxnSpLocks/>
-          </p:cNvCxnSpPr>
-          <p:nvPr/>
-        </p:nvCxnSpPr>
-        <p:spPr>
-          <a:xfrm flipV="1">
-            <a:off x="7223407" y="1417366"/>
-            <a:ext cx="161925" cy="327180"/>
-          </a:xfrm>
-          <a:prstGeom prst="line">
-            <a:avLst/>
-          </a:prstGeom>
-          <a:ln w="38100"/>
-        </p:spPr>
-        <p:style>
-          <a:lnRef idx="2">
-            <a:schemeClr val="dk1"/>
-          </a:lnRef>
-          <a:fillRef idx="0">
-            <a:schemeClr val="dk1"/>
-          </a:fillRef>
-          <a:effectRef idx="1">
-            <a:schemeClr val="dk1"/>
-          </a:effectRef>
-          <a:fontRef idx="minor">
-            <a:schemeClr val="tx1"/>
-          </a:fontRef>
-        </p:style>
-      </p:cxnSp>
-      <p:sp>
-        <p:nvSpPr>
-          <p:cNvPr id="41" name="Oval 40">
-            <a:extLst>
-              <a:ext uri="{FF2B5EF4-FFF2-40B4-BE49-F238E27FC236}">
-                <a16:creationId xmlns:a16="http://schemas.microsoft.com/office/drawing/2014/main" id="{BC31E8CF-42E5-F79F-EBE8-2C4E2FD3C368}"/>
-              </a:ext>
-            </a:extLst>
-          </p:cNvPr>
-          <p:cNvSpPr>
-            <a:spLocks noChangeAspect="1"/>
-          </p:cNvSpPr>
-          <p:nvPr/>
-        </p:nvSpPr>
-        <p:spPr>
-          <a:xfrm>
-            <a:off x="6096000" y="-110029"/>
-            <a:ext cx="3600000" cy="3600000"/>
-          </a:xfrm>
-          <a:prstGeom prst="ellipse">
-            <a:avLst/>
-          </a:prstGeom>
-          <a:noFill/>
-          <a:ln>
-            <a:noFill/>
-          </a:ln>
-        </p:spPr>
-        <p:style>
-          <a:lnRef idx="2">
-            <a:schemeClr val="accent1">
-              <a:shade val="15000"/>
-            </a:schemeClr>
-          </a:lnRef>
-          <a:fillRef idx="1">
-            <a:schemeClr val="accent1"/>
-          </a:fillRef>
-          <a:effectRef idx="0">
-            <a:schemeClr val="accent1"/>
-          </a:effectRef>
-          <a:fontRef idx="minor">
-            <a:schemeClr val="lt1"/>
-          </a:fontRef>
-        </p:style>
-        <p:txBody>
-          <a:bodyPr rtlCol="0" anchor="ctr"/>
-          <a:lstStyle/>
-          <a:p>
-            <a:pPr algn="ctr"/>
-            <a:endParaRPr lang="en-VN"/>
-          </a:p>
-        </p:txBody>
-      </p:sp>
-    </p:spTree>
-    <p:extLst>
-      <p:ext uri="{BB962C8B-B14F-4D97-AF65-F5344CB8AC3E}">
-        <p14:creationId xmlns:p14="http://schemas.microsoft.com/office/powerpoint/2010/main" val="3701042807"/>
-      </p:ext>
-    </p:extLst>
-  </p:cSld>
-  <p:clrMapOvr>
-    <a:masterClrMapping/>
-  </p:clrMapOvr>
-</p:sld>
-</file>
-
-<file path=ppt/slides/slide4.xml><?xml version="1.0" encoding="utf-8"?>
-<p:sld xmlns:a="http://schemas.openxmlformats.org/drawingml/2006/main" xmlns:r="http://schemas.openxmlformats.org/officeDocument/2006/relationships" xmlns:p="http://schemas.openxmlformats.org/presentationml/2006/main">
-  <p:cSld>
-    <p:spTree>
-      <p:nvGrpSpPr>
         <p:cNvPr id="1" name="">
           <a:extLst>
             <a:ext uri="{FF2B5EF4-FFF2-40B4-BE49-F238E27FC236}">
@@ -8500,7 +6674,7 @@
 </p:sld>
 </file>
 
-<file path=ppt/slides/slide5.xml><?xml version="1.0" encoding="utf-8"?>
+<file path=ppt/slides/slide3.xml><?xml version="1.0" encoding="utf-8"?>
 <p:sld xmlns:a="http://schemas.openxmlformats.org/drawingml/2006/main" xmlns:r="http://schemas.openxmlformats.org/officeDocument/2006/relationships" xmlns:p="http://schemas.openxmlformats.org/presentationml/2006/main">
   <p:cSld>
     <p:spTree>
@@ -9041,7 +7215,7 @@
 </p:sld>
 </file>
 
-<file path=ppt/slides/slide6.xml><?xml version="1.0" encoding="utf-8"?>
+<file path=ppt/slides/slide4.xml><?xml version="1.0" encoding="utf-8"?>
 <p:sld xmlns:a="http://schemas.openxmlformats.org/drawingml/2006/main" xmlns:r="http://schemas.openxmlformats.org/officeDocument/2006/relationships" xmlns:p="http://schemas.openxmlformats.org/presentationml/2006/main">
   <p:cSld>
     <p:spTree>
@@ -9058,6 +7232,976 @@
           <a:chExt cx="0" cy="0"/>
         </a:xfrm>
       </p:grpSpPr>
+      <p:sp>
+        <p:nvSpPr>
+          <p:cNvPr id="11" name="Parallelogram 10">
+            <a:extLst>
+              <a:ext uri="{FF2B5EF4-FFF2-40B4-BE49-F238E27FC236}">
+                <a16:creationId xmlns:a16="http://schemas.microsoft.com/office/drawing/2014/main" id="{4356912D-43C4-139B-7288-2EBDBDEC7C71}"/>
+              </a:ext>
+            </a:extLst>
+          </p:cNvPr>
+          <p:cNvSpPr/>
+          <p:nvPr/>
+        </p:nvSpPr>
+        <p:spPr>
+          <a:xfrm>
+            <a:off x="6922617" y="1575634"/>
+            <a:ext cx="3504404" cy="5282366"/>
+          </a:xfrm>
+          <a:prstGeom prst="parallelogram">
+            <a:avLst>
+              <a:gd name="adj" fmla="val 25423"/>
+            </a:avLst>
+          </a:prstGeom>
+          <a:ln>
+            <a:noFill/>
+          </a:ln>
+        </p:spPr>
+        <p:style>
+          <a:lnRef idx="2">
+            <a:schemeClr val="accent1">
+              <a:shade val="15000"/>
+            </a:schemeClr>
+          </a:lnRef>
+          <a:fillRef idx="1">
+            <a:schemeClr val="accent1"/>
+          </a:fillRef>
+          <a:effectRef idx="0">
+            <a:schemeClr val="accent1"/>
+          </a:effectRef>
+          <a:fontRef idx="minor">
+            <a:schemeClr val="lt1"/>
+          </a:fontRef>
+        </p:style>
+        <p:txBody>
+          <a:bodyPr rtlCol="0" anchor="ctr"/>
+          <a:lstStyle/>
+          <a:p>
+            <a:pPr algn="ctr"/>
+            <a:endParaRPr lang="en-VN"/>
+          </a:p>
+        </p:txBody>
+      </p:sp>
+      <p:sp>
+        <p:nvSpPr>
+          <p:cNvPr id="3" name="Rectangle 2">
+            <a:extLst>
+              <a:ext uri="{FF2B5EF4-FFF2-40B4-BE49-F238E27FC236}">
+                <a16:creationId xmlns:a16="http://schemas.microsoft.com/office/drawing/2014/main" id="{E73F324C-ABDE-F462-D3E6-64F8017FD058}"/>
+              </a:ext>
+            </a:extLst>
+          </p:cNvPr>
+          <p:cNvSpPr>
+            <a:spLocks noGrp="1" noRot="1" noMove="1" noResize="1" noEditPoints="1" noAdjustHandles="1" noChangeArrowheads="1" noChangeShapeType="1"/>
+          </p:cNvSpPr>
+          <p:nvPr/>
+        </p:nvSpPr>
+        <p:spPr>
+          <a:xfrm>
+            <a:off x="0" y="0"/>
+            <a:ext cx="12192000" cy="6858000"/>
+          </a:xfrm>
+          <a:prstGeom prst="rect">
+            <a:avLst/>
+          </a:prstGeom>
+          <a:noFill/>
+          <a:ln>
+            <a:noFill/>
+          </a:ln>
+        </p:spPr>
+        <p:style>
+          <a:lnRef idx="2">
+            <a:schemeClr val="accent1">
+              <a:shade val="15000"/>
+            </a:schemeClr>
+          </a:lnRef>
+          <a:fillRef idx="1">
+            <a:schemeClr val="accent1"/>
+          </a:fillRef>
+          <a:effectRef idx="0">
+            <a:schemeClr val="accent1"/>
+          </a:effectRef>
+          <a:fontRef idx="minor">
+            <a:schemeClr val="lt1"/>
+          </a:fontRef>
+        </p:style>
+        <p:txBody>
+          <a:bodyPr rtlCol="0" anchor="ctr"/>
+          <a:lstStyle/>
+          <a:p>
+            <a:pPr algn="ctr"/>
+            <a:endParaRPr lang="en-VN"/>
+          </a:p>
+        </p:txBody>
+      </p:sp>
+      <p:pic>
+        <p:nvPicPr>
+          <p:cNvPr id="5" name="Picture 4" descr="A black and white logo with a brain&#10;&#10;AI-generated content may be incorrect.">
+            <a:extLst>
+              <a:ext uri="{FF2B5EF4-FFF2-40B4-BE49-F238E27FC236}">
+                <a16:creationId xmlns:a16="http://schemas.microsoft.com/office/drawing/2014/main" id="{F79A1F60-778D-2697-07EB-792CC1EE9022}"/>
+              </a:ext>
+            </a:extLst>
+          </p:cNvPr>
+          <p:cNvPicPr>
+            <a:picLocks noChangeAspect="1"/>
+          </p:cNvPicPr>
+          <p:nvPr/>
+        </p:nvPicPr>
+        <p:blipFill>
+          <a:blip r:embed="rId2">
+            <a:extLst>
+              <a:ext uri="{28A0092B-C50C-407E-A947-70E740481C1C}">
+                <a14:useLocalDpi xmlns:a14="http://schemas.microsoft.com/office/drawing/2010/main" val="0"/>
+              </a:ext>
+            </a:extLst>
+          </a:blip>
+          <a:stretch>
+            <a:fillRect/>
+          </a:stretch>
+        </p:blipFill>
+        <p:spPr>
+          <a:xfrm>
+            <a:off x="267286" y="216561"/>
+            <a:ext cx="1043768" cy="1359073"/>
+          </a:xfrm>
+          <a:prstGeom prst="rect">
+            <a:avLst/>
+          </a:prstGeom>
+        </p:spPr>
+      </p:pic>
+      <p:sp>
+        <p:nvSpPr>
+          <p:cNvPr id="6" name="TextBox 5">
+            <a:extLst>
+              <a:ext uri="{FF2B5EF4-FFF2-40B4-BE49-F238E27FC236}">
+                <a16:creationId xmlns:a16="http://schemas.microsoft.com/office/drawing/2014/main" id="{618D8A28-657C-A19A-B590-3F6E57288BD4}"/>
+              </a:ext>
+            </a:extLst>
+          </p:cNvPr>
+          <p:cNvSpPr txBox="1"/>
+          <p:nvPr/>
+        </p:nvSpPr>
+        <p:spPr>
+          <a:xfrm>
+            <a:off x="323770" y="1442964"/>
+            <a:ext cx="6719354" cy="830997"/>
+          </a:xfrm>
+          <a:prstGeom prst="rect">
+            <a:avLst/>
+          </a:prstGeom>
+          <a:noFill/>
+        </p:spPr>
+        <p:txBody>
+          <a:bodyPr wrap="square" rtlCol="0">
+            <a:spAutoFit/>
+          </a:bodyPr>
+          <a:lstStyle/>
+          <a:p>
+            <a:r>
+              <a:rPr lang="en-VN" sz="4800" b="1">
+                <a:latin typeface="Corbel" panose="020B0503020204020204" pitchFamily="34" charset="0"/>
+                <a:ea typeface="Brush Script MT" panose="03060802040406070304" pitchFamily="66" charset="-122"/>
+                <a:cs typeface="Al Tarikh" pitchFamily="2" charset="-78"/>
+              </a:rPr>
+              <a:t>BÀI GIẢNG CUỐI CÙNG</a:t>
+            </a:r>
+          </a:p>
+        </p:txBody>
+      </p:sp>
+      <p:pic>
+        <p:nvPicPr>
+          <p:cNvPr id="1028" name="Picture 4">
+            <a:extLst>
+              <a:ext uri="{FF2B5EF4-FFF2-40B4-BE49-F238E27FC236}">
+                <a16:creationId xmlns:a16="http://schemas.microsoft.com/office/drawing/2014/main" id="{22F036E7-1290-0F39-62A4-1D189F6BFC58}"/>
+              </a:ext>
+            </a:extLst>
+          </p:cNvPr>
+          <p:cNvPicPr>
+            <a:picLocks noChangeAspect="1" noChangeArrowheads="1"/>
+          </p:cNvPicPr>
+          <p:nvPr/>
+        </p:nvPicPr>
+        <p:blipFill>
+          <a:blip r:embed="rId3">
+            <a:extLst>
+              <a:ext uri="{28A0092B-C50C-407E-A947-70E740481C1C}">
+                <a14:useLocalDpi xmlns:a14="http://schemas.microsoft.com/office/drawing/2010/main" val="0"/>
+              </a:ext>
+            </a:extLst>
+          </a:blip>
+          <a:srcRect/>
+          <a:stretch>
+            <a:fillRect/>
+          </a:stretch>
+        </p:blipFill>
+        <p:spPr bwMode="auto">
+          <a:xfrm>
+            <a:off x="10327341" y="5065807"/>
+            <a:ext cx="1555438" cy="1555438"/>
+          </a:xfrm>
+          <a:prstGeom prst="rect">
+            <a:avLst/>
+          </a:prstGeom>
+          <a:noFill/>
+          <a:extLst>
+            <a:ext uri="{909E8E84-426E-40DD-AFC4-6F175D3DCCD1}">
+              <a14:hiddenFill xmlns:a14="http://schemas.microsoft.com/office/drawing/2010/main">
+                <a:solidFill>
+                  <a:srgbClr val="FFFFFF"/>
+                </a:solidFill>
+              </a14:hiddenFill>
+            </a:ext>
+          </a:extLst>
+        </p:spPr>
+      </p:pic>
+      <p:sp>
+        <p:nvSpPr>
+          <p:cNvPr id="8" name="TextBox 7">
+            <a:extLst>
+              <a:ext uri="{FF2B5EF4-FFF2-40B4-BE49-F238E27FC236}">
+                <a16:creationId xmlns:a16="http://schemas.microsoft.com/office/drawing/2014/main" id="{5DB8C843-8943-04E6-3976-73E462546549}"/>
+              </a:ext>
+            </a:extLst>
+          </p:cNvPr>
+          <p:cNvSpPr txBox="1"/>
+          <p:nvPr/>
+        </p:nvSpPr>
+        <p:spPr>
+          <a:xfrm>
+            <a:off x="10327341" y="4679222"/>
+            <a:ext cx="1555438" cy="369332"/>
+          </a:xfrm>
+          <a:prstGeom prst="rect">
+            <a:avLst/>
+          </a:prstGeom>
+          <a:noFill/>
+        </p:spPr>
+        <p:txBody>
+          <a:bodyPr wrap="square" rtlCol="0">
+            <a:spAutoFit/>
+          </a:bodyPr>
+          <a:lstStyle/>
+          <a:p>
+            <a:pPr algn="ctr"/>
+            <a:r>
+              <a:rPr lang="en-VN" b="1"/>
+              <a:t>Đăng ký tại</a:t>
+            </a:r>
+          </a:p>
+        </p:txBody>
+      </p:sp>
+      <p:pic>
+        <p:nvPicPr>
+          <p:cNvPr id="1030" name="Picture 6" descr="No photo description available.">
+            <a:extLst>
+              <a:ext uri="{FF2B5EF4-FFF2-40B4-BE49-F238E27FC236}">
+                <a16:creationId xmlns:a16="http://schemas.microsoft.com/office/drawing/2014/main" id="{0B47AF6C-C02D-D99B-0B91-D667BED77DFC}"/>
+              </a:ext>
+            </a:extLst>
+          </p:cNvPr>
+          <p:cNvPicPr>
+            <a:picLocks noChangeAspect="1" noChangeArrowheads="1"/>
+          </p:cNvPicPr>
+          <p:nvPr/>
+        </p:nvPicPr>
+        <p:blipFill>
+          <a:blip r:embed="rId4">
+            <a:extLst>
+              <a:ext uri="{28A0092B-C50C-407E-A947-70E740481C1C}">
+                <a14:useLocalDpi xmlns:a14="http://schemas.microsoft.com/office/drawing/2010/main" val="0"/>
+              </a:ext>
+            </a:extLst>
+          </a:blip>
+          <a:srcRect/>
+          <a:stretch>
+            <a:fillRect/>
+          </a:stretch>
+        </p:blipFill>
+        <p:spPr bwMode="auto">
+          <a:xfrm>
+            <a:off x="1311053" y="216560"/>
+            <a:ext cx="1156375" cy="1156375"/>
+          </a:xfrm>
+          <a:prstGeom prst="rect">
+            <a:avLst/>
+          </a:prstGeom>
+          <a:noFill/>
+          <a:extLst>
+            <a:ext uri="{909E8E84-426E-40DD-AFC4-6F175D3DCCD1}">
+              <a14:hiddenFill xmlns:a14="http://schemas.microsoft.com/office/drawing/2010/main">
+                <a:solidFill>
+                  <a:srgbClr val="FFFFFF"/>
+                </a:solidFill>
+              </a14:hiddenFill>
+            </a:ext>
+          </a:extLst>
+        </p:spPr>
+      </p:pic>
+      <p:sp>
+        <p:nvSpPr>
+          <p:cNvPr id="13" name="TextBox 12">
+            <a:extLst>
+              <a:ext uri="{FF2B5EF4-FFF2-40B4-BE49-F238E27FC236}">
+                <a16:creationId xmlns:a16="http://schemas.microsoft.com/office/drawing/2014/main" id="{34978768-E9E8-4C8F-804D-7A3450FC26BB}"/>
+              </a:ext>
+            </a:extLst>
+          </p:cNvPr>
+          <p:cNvSpPr txBox="1"/>
+          <p:nvPr/>
+        </p:nvSpPr>
+        <p:spPr>
+          <a:xfrm>
+            <a:off x="7508230" y="2922352"/>
+            <a:ext cx="2587763" cy="1138773"/>
+          </a:xfrm>
+          <a:prstGeom prst="rect">
+            <a:avLst/>
+          </a:prstGeom>
+          <a:noFill/>
+        </p:spPr>
+        <p:txBody>
+          <a:bodyPr wrap="square" rtlCol="0">
+            <a:spAutoFit/>
+          </a:bodyPr>
+          <a:lstStyle/>
+          <a:p>
+            <a:r>
+              <a:rPr lang="en-VN" sz="2400" b="1" i="1">
+                <a:solidFill>
+                  <a:schemeClr val="bg1"/>
+                </a:solidFill>
+              </a:rPr>
+              <a:t>  Thời gian:</a:t>
+            </a:r>
+          </a:p>
+          <a:p>
+            <a:r>
+              <a:rPr lang="en-VN" sz="2400" b="1" i="1">
+                <a:solidFill>
+                  <a:schemeClr val="bg1"/>
+                </a:solidFill>
+              </a:rPr>
+              <a:t> </a:t>
+            </a:r>
+            <a:r>
+              <a:rPr lang="en-VN" sz="2000" b="1" i="1">
+                <a:solidFill>
+                  <a:schemeClr val="bg1"/>
+                </a:solidFill>
+              </a:rPr>
+              <a:t>3-5/2026, 8 buổi </a:t>
+            </a:r>
+          </a:p>
+          <a:p>
+            <a:r>
+              <a:rPr lang="en-VN" sz="2000" b="1" i="1">
+                <a:solidFill>
+                  <a:schemeClr val="bg1"/>
+                </a:solidFill>
+              </a:rPr>
+              <a:t>(1 buổi / tuần)</a:t>
+            </a:r>
+            <a:endParaRPr lang="en-VN" sz="2400" b="1" i="1">
+              <a:solidFill>
+                <a:schemeClr val="bg1"/>
+              </a:solidFill>
+            </a:endParaRPr>
+          </a:p>
+        </p:txBody>
+      </p:sp>
+      <p:sp>
+        <p:nvSpPr>
+          <p:cNvPr id="14" name="TextBox 13">
+            <a:extLst>
+              <a:ext uri="{FF2B5EF4-FFF2-40B4-BE49-F238E27FC236}">
+                <a16:creationId xmlns:a16="http://schemas.microsoft.com/office/drawing/2014/main" id="{DDAE4C79-0823-7EB9-EF2E-606DC0AE66C6}"/>
+              </a:ext>
+            </a:extLst>
+          </p:cNvPr>
+          <p:cNvSpPr txBox="1"/>
+          <p:nvPr/>
+        </p:nvSpPr>
+        <p:spPr>
+          <a:xfrm>
+            <a:off x="7305954" y="4185745"/>
+            <a:ext cx="2587763" cy="1138773"/>
+          </a:xfrm>
+          <a:prstGeom prst="rect">
+            <a:avLst/>
+          </a:prstGeom>
+          <a:noFill/>
+        </p:spPr>
+        <p:txBody>
+          <a:bodyPr wrap="square" rtlCol="0">
+            <a:spAutoFit/>
+          </a:bodyPr>
+          <a:lstStyle/>
+          <a:p>
+            <a:r>
+              <a:rPr lang="en-VN" sz="2400" b="1" i="1">
+                <a:solidFill>
+                  <a:schemeClr val="bg1"/>
+                </a:solidFill>
+              </a:rPr>
+              <a:t>  Địa điểm:</a:t>
+            </a:r>
+          </a:p>
+          <a:p>
+            <a:r>
+              <a:rPr lang="en-VN" sz="2400" b="1" i="1">
+                <a:solidFill>
+                  <a:schemeClr val="bg1"/>
+                </a:solidFill>
+              </a:rPr>
+              <a:t> </a:t>
+            </a:r>
+            <a:r>
+              <a:rPr lang="en-VN" sz="2000" b="1" i="1">
+                <a:solidFill>
+                  <a:schemeClr val="bg1"/>
+                </a:solidFill>
+              </a:rPr>
+              <a:t>Đại học CNTT (UIT),</a:t>
+            </a:r>
+          </a:p>
+          <a:p>
+            <a:r>
+              <a:rPr lang="en-VN" sz="2000" b="1" i="1">
+                <a:solidFill>
+                  <a:schemeClr val="bg1"/>
+                </a:solidFill>
+              </a:rPr>
+              <a:t>ĐHQG TP. HCM</a:t>
+            </a:r>
+            <a:endParaRPr lang="en-VN" sz="2400" b="1" i="1">
+              <a:solidFill>
+                <a:schemeClr val="bg1"/>
+              </a:solidFill>
+            </a:endParaRPr>
+          </a:p>
+        </p:txBody>
+      </p:sp>
+      <p:sp>
+        <p:nvSpPr>
+          <p:cNvPr id="15" name="TextBox 14">
+            <a:extLst>
+              <a:ext uri="{FF2B5EF4-FFF2-40B4-BE49-F238E27FC236}">
+                <a16:creationId xmlns:a16="http://schemas.microsoft.com/office/drawing/2014/main" id="{EAE1F859-E454-F8B6-5A70-16844C90A53D}"/>
+              </a:ext>
+            </a:extLst>
+          </p:cNvPr>
+          <p:cNvSpPr txBox="1"/>
+          <p:nvPr/>
+        </p:nvSpPr>
+        <p:spPr>
+          <a:xfrm>
+            <a:off x="7090499" y="5430235"/>
+            <a:ext cx="2587763" cy="830997"/>
+          </a:xfrm>
+          <a:prstGeom prst="rect">
+            <a:avLst/>
+          </a:prstGeom>
+          <a:noFill/>
+        </p:spPr>
+        <p:txBody>
+          <a:bodyPr wrap="square" rtlCol="0">
+            <a:spAutoFit/>
+          </a:bodyPr>
+          <a:lstStyle/>
+          <a:p>
+            <a:r>
+              <a:rPr lang="en-VN" sz="2400" b="1" i="1">
+                <a:solidFill>
+                  <a:schemeClr val="bg1"/>
+                </a:solidFill>
+              </a:rPr>
+              <a:t>  Chi phí:</a:t>
+            </a:r>
+          </a:p>
+          <a:p>
+            <a:r>
+              <a:rPr lang="en-VN" sz="2400" b="1" i="1">
+                <a:solidFill>
+                  <a:schemeClr val="bg1"/>
+                </a:solidFill>
+              </a:rPr>
+              <a:t> </a:t>
+            </a:r>
+            <a:r>
+              <a:rPr lang="en-VN" sz="2000" b="1" i="1">
+                <a:solidFill>
+                  <a:schemeClr val="bg1"/>
+                </a:solidFill>
+              </a:rPr>
+              <a:t>Miễn phí</a:t>
+            </a:r>
+            <a:endParaRPr lang="en-VN" sz="2400" b="1" i="1">
+              <a:solidFill>
+                <a:schemeClr val="bg1"/>
+              </a:solidFill>
+            </a:endParaRPr>
+          </a:p>
+        </p:txBody>
+      </p:sp>
+      <p:sp>
+        <p:nvSpPr>
+          <p:cNvPr id="16" name="TextBox 15">
+            <a:extLst>
+              <a:ext uri="{FF2B5EF4-FFF2-40B4-BE49-F238E27FC236}">
+                <a16:creationId xmlns:a16="http://schemas.microsoft.com/office/drawing/2014/main" id="{8DA40149-A253-97A6-65AC-5D487B4B6091}"/>
+              </a:ext>
+            </a:extLst>
+          </p:cNvPr>
+          <p:cNvSpPr txBox="1"/>
+          <p:nvPr/>
+        </p:nvSpPr>
+        <p:spPr>
+          <a:xfrm>
+            <a:off x="7708048" y="1736281"/>
+            <a:ext cx="2587763" cy="1138773"/>
+          </a:xfrm>
+          <a:prstGeom prst="rect">
+            <a:avLst/>
+          </a:prstGeom>
+          <a:noFill/>
+        </p:spPr>
+        <p:txBody>
+          <a:bodyPr wrap="square" rtlCol="0">
+            <a:spAutoFit/>
+          </a:bodyPr>
+          <a:lstStyle/>
+          <a:p>
+            <a:r>
+              <a:rPr lang="en-VN" sz="2400" b="1" i="1">
+                <a:solidFill>
+                  <a:schemeClr val="bg1"/>
+                </a:solidFill>
+              </a:rPr>
+              <a:t>  Hình thức:</a:t>
+            </a:r>
+          </a:p>
+          <a:p>
+            <a:r>
+              <a:rPr lang="en-VN" sz="2400" b="1" i="1">
+                <a:solidFill>
+                  <a:schemeClr val="bg1"/>
+                </a:solidFill>
+              </a:rPr>
+              <a:t> </a:t>
+            </a:r>
+            <a:r>
+              <a:rPr lang="en-VN" sz="2000" b="1" i="1">
+                <a:solidFill>
+                  <a:schemeClr val="bg1"/>
+                </a:solidFill>
+              </a:rPr>
+              <a:t>Trực tiếp</a:t>
+            </a:r>
+          </a:p>
+          <a:p>
+            <a:r>
+              <a:rPr lang="en-VN" sz="2000" b="1" i="1">
+                <a:solidFill>
+                  <a:schemeClr val="bg1"/>
+                </a:solidFill>
+              </a:rPr>
+              <a:t>(Không hỗ trợ online)</a:t>
+            </a:r>
+            <a:endParaRPr lang="en-VN" sz="2400" b="1" i="1">
+              <a:solidFill>
+                <a:schemeClr val="bg1"/>
+              </a:solidFill>
+            </a:endParaRPr>
+          </a:p>
+        </p:txBody>
+      </p:sp>
+      <p:sp>
+        <p:nvSpPr>
+          <p:cNvPr id="17" name="Rectangle 16">
+            <a:extLst>
+              <a:ext uri="{FF2B5EF4-FFF2-40B4-BE49-F238E27FC236}">
+                <a16:creationId xmlns:a16="http://schemas.microsoft.com/office/drawing/2014/main" id="{BCA9F91E-4A9E-3243-4A94-96FF3E83C740}"/>
+              </a:ext>
+            </a:extLst>
+          </p:cNvPr>
+          <p:cNvSpPr/>
+          <p:nvPr/>
+        </p:nvSpPr>
+        <p:spPr>
+          <a:xfrm>
+            <a:off x="6922617" y="6324296"/>
+            <a:ext cx="2955334" cy="171099"/>
+          </a:xfrm>
+          <a:prstGeom prst="rect">
+            <a:avLst/>
+          </a:prstGeom>
+          <a:solidFill>
+            <a:schemeClr val="bg1"/>
+          </a:solidFill>
+          <a:ln>
+            <a:noFill/>
+          </a:ln>
+        </p:spPr>
+        <p:style>
+          <a:lnRef idx="2">
+            <a:schemeClr val="accent1">
+              <a:shade val="15000"/>
+            </a:schemeClr>
+          </a:lnRef>
+          <a:fillRef idx="1">
+            <a:schemeClr val="accent1"/>
+          </a:fillRef>
+          <a:effectRef idx="0">
+            <a:schemeClr val="accent1"/>
+          </a:effectRef>
+          <a:fontRef idx="minor">
+            <a:schemeClr val="lt1"/>
+          </a:fontRef>
+        </p:style>
+        <p:txBody>
+          <a:bodyPr rtlCol="0" anchor="ctr"/>
+          <a:lstStyle/>
+          <a:p>
+            <a:pPr algn="ctr"/>
+            <a:endParaRPr lang="en-VN"/>
+          </a:p>
+        </p:txBody>
+      </p:sp>
+      <p:sp>
+        <p:nvSpPr>
+          <p:cNvPr id="19" name="TextBox 18">
+            <a:extLst>
+              <a:ext uri="{FF2B5EF4-FFF2-40B4-BE49-F238E27FC236}">
+                <a16:creationId xmlns:a16="http://schemas.microsoft.com/office/drawing/2014/main" id="{8835EC66-5FEC-4353-FE30-397F0F079B73}"/>
+              </a:ext>
+            </a:extLst>
+          </p:cNvPr>
+          <p:cNvSpPr txBox="1"/>
+          <p:nvPr/>
+        </p:nvSpPr>
+        <p:spPr>
+          <a:xfrm>
+            <a:off x="323769" y="2352965"/>
+            <a:ext cx="7184461" cy="584775"/>
+          </a:xfrm>
+          <a:prstGeom prst="rect">
+            <a:avLst/>
+          </a:prstGeom>
+          <a:noFill/>
+        </p:spPr>
+        <p:txBody>
+          <a:bodyPr wrap="square" rtlCol="0">
+            <a:spAutoFit/>
+          </a:bodyPr>
+          <a:lstStyle/>
+          <a:p>
+            <a:r>
+              <a:rPr lang="en-VN" sz="3200" b="1"/>
+              <a:t>Tính toán lượng tử cho sinh viên CNTT</a:t>
+            </a:r>
+          </a:p>
+        </p:txBody>
+      </p:sp>
+      <p:sp>
+        <p:nvSpPr>
+          <p:cNvPr id="21" name="Rectangle 20">
+            <a:extLst>
+              <a:ext uri="{FF2B5EF4-FFF2-40B4-BE49-F238E27FC236}">
+                <a16:creationId xmlns:a16="http://schemas.microsoft.com/office/drawing/2014/main" id="{D38DA5A6-799C-EB14-FD75-1C661E264251}"/>
+              </a:ext>
+            </a:extLst>
+          </p:cNvPr>
+          <p:cNvSpPr/>
+          <p:nvPr/>
+        </p:nvSpPr>
+        <p:spPr>
+          <a:xfrm>
+            <a:off x="411572" y="2235581"/>
+            <a:ext cx="6115351" cy="62109"/>
+          </a:xfrm>
+          <a:prstGeom prst="rect">
+            <a:avLst/>
+          </a:prstGeom>
+          <a:solidFill>
+            <a:schemeClr val="tx1"/>
+          </a:solidFill>
+          <a:ln>
+            <a:noFill/>
+          </a:ln>
+        </p:spPr>
+        <p:style>
+          <a:lnRef idx="2">
+            <a:schemeClr val="accent1">
+              <a:shade val="15000"/>
+            </a:schemeClr>
+          </a:lnRef>
+          <a:fillRef idx="1">
+            <a:schemeClr val="accent1"/>
+          </a:fillRef>
+          <a:effectRef idx="0">
+            <a:schemeClr val="accent1"/>
+          </a:effectRef>
+          <a:fontRef idx="minor">
+            <a:schemeClr val="lt1"/>
+          </a:fontRef>
+        </p:style>
+        <p:txBody>
+          <a:bodyPr rtlCol="0" anchor="ctr"/>
+          <a:lstStyle/>
+          <a:p>
+            <a:pPr algn="ctr"/>
+            <a:endParaRPr lang="en-VN"/>
+          </a:p>
+        </p:txBody>
+      </p:sp>
+      <p:sp>
+        <p:nvSpPr>
+          <p:cNvPr id="22" name="Parallelogram 21">
+            <a:extLst>
+              <a:ext uri="{FF2B5EF4-FFF2-40B4-BE49-F238E27FC236}">
+                <a16:creationId xmlns:a16="http://schemas.microsoft.com/office/drawing/2014/main" id="{EB936A98-C564-962E-1C96-A8F59522E4E5}"/>
+              </a:ext>
+            </a:extLst>
+          </p:cNvPr>
+          <p:cNvSpPr/>
+          <p:nvPr/>
+        </p:nvSpPr>
+        <p:spPr>
+          <a:xfrm>
+            <a:off x="1592317" y="3268807"/>
+            <a:ext cx="5729403" cy="3055489"/>
+          </a:xfrm>
+          <a:prstGeom prst="parallelogram">
+            <a:avLst>
+              <a:gd name="adj" fmla="val 16658"/>
+            </a:avLst>
+          </a:prstGeom>
+          <a:ln>
+            <a:noFill/>
+          </a:ln>
+        </p:spPr>
+        <p:style>
+          <a:lnRef idx="2">
+            <a:schemeClr val="accent1">
+              <a:shade val="15000"/>
+            </a:schemeClr>
+          </a:lnRef>
+          <a:fillRef idx="1">
+            <a:schemeClr val="accent1"/>
+          </a:fillRef>
+          <a:effectRef idx="0">
+            <a:schemeClr val="accent1"/>
+          </a:effectRef>
+          <a:fontRef idx="minor">
+            <a:schemeClr val="lt1"/>
+          </a:fontRef>
+        </p:style>
+        <p:txBody>
+          <a:bodyPr rtlCol="0" anchor="ctr"/>
+          <a:lstStyle/>
+          <a:p>
+            <a:pPr algn="ctr"/>
+            <a:endParaRPr lang="en-VN"/>
+          </a:p>
+        </p:txBody>
+      </p:sp>
+      <p:pic>
+        <p:nvPicPr>
+          <p:cNvPr id="1026" name="Picture 2" descr="No photo description available.">
+            <a:extLst>
+              <a:ext uri="{FF2B5EF4-FFF2-40B4-BE49-F238E27FC236}">
+                <a16:creationId xmlns:a16="http://schemas.microsoft.com/office/drawing/2014/main" id="{B30F7E8A-ECC5-A510-8761-B39FB8A94697}"/>
+              </a:ext>
+            </a:extLst>
+          </p:cNvPr>
+          <p:cNvPicPr>
+            <a:picLocks noChangeAspect="1" noChangeArrowheads="1"/>
+          </p:cNvPicPr>
+          <p:nvPr/>
+        </p:nvPicPr>
+        <p:blipFill>
+          <a:blip r:embed="rId5">
+            <a:extLst>
+              <a:ext uri="{28A0092B-C50C-407E-A947-70E740481C1C}">
+                <a14:useLocalDpi xmlns:a14="http://schemas.microsoft.com/office/drawing/2010/main" val="0"/>
+              </a:ext>
+            </a:extLst>
+          </a:blip>
+          <a:srcRect/>
+          <a:stretch>
+            <a:fillRect/>
+          </a:stretch>
+        </p:blipFill>
+        <p:spPr bwMode="auto">
+          <a:xfrm>
+            <a:off x="323771" y="3121571"/>
+            <a:ext cx="3373824" cy="3373824"/>
+          </a:xfrm>
+          <a:prstGeom prst="ellipse">
+            <a:avLst/>
+          </a:prstGeom>
+          <a:noFill/>
+          <a:extLst>
+            <a:ext uri="{909E8E84-426E-40DD-AFC4-6F175D3DCCD1}">
+              <a14:hiddenFill xmlns:a14="http://schemas.microsoft.com/office/drawing/2010/main">
+                <a:solidFill>
+                  <a:srgbClr val="FFFFFF"/>
+                </a:solidFill>
+              </a14:hiddenFill>
+            </a:ext>
+          </a:extLst>
+        </p:spPr>
+      </p:pic>
+      <p:sp>
+        <p:nvSpPr>
+          <p:cNvPr id="7" name="TextBox 6">
+            <a:extLst>
+              <a:ext uri="{FF2B5EF4-FFF2-40B4-BE49-F238E27FC236}">
+                <a16:creationId xmlns:a16="http://schemas.microsoft.com/office/drawing/2014/main" id="{84BEC587-F178-02E9-0175-1AA09B8A34F7}"/>
+              </a:ext>
+            </a:extLst>
+          </p:cNvPr>
+          <p:cNvSpPr txBox="1"/>
+          <p:nvPr/>
+        </p:nvSpPr>
+        <p:spPr>
+          <a:xfrm>
+            <a:off x="3409432" y="3429000"/>
+            <a:ext cx="3805992" cy="461665"/>
+          </a:xfrm>
+          <a:prstGeom prst="rect">
+            <a:avLst/>
+          </a:prstGeom>
+          <a:noFill/>
+        </p:spPr>
+        <p:txBody>
+          <a:bodyPr wrap="square" rtlCol="0">
+            <a:spAutoFit/>
+          </a:bodyPr>
+          <a:lstStyle/>
+          <a:p>
+            <a:r>
+              <a:rPr lang="en-VN" sz="2400" b="1" i="1">
+                <a:solidFill>
+                  <a:schemeClr val="bg1"/>
+                </a:solidFill>
+              </a:rPr>
+              <a:t>ThS. Phan Hoàng Chương</a:t>
+            </a:r>
+          </a:p>
+        </p:txBody>
+      </p:sp>
+      <p:sp>
+        <p:nvSpPr>
+          <p:cNvPr id="24" name="TextBox 23">
+            <a:extLst>
+              <a:ext uri="{FF2B5EF4-FFF2-40B4-BE49-F238E27FC236}">
+                <a16:creationId xmlns:a16="http://schemas.microsoft.com/office/drawing/2014/main" id="{6BEBB2F6-7FED-E301-3A19-6F01528E1FF0}"/>
+              </a:ext>
+            </a:extLst>
+          </p:cNvPr>
+          <p:cNvSpPr txBox="1"/>
+          <p:nvPr/>
+        </p:nvSpPr>
+        <p:spPr>
+          <a:xfrm>
+            <a:off x="3716695" y="4005542"/>
+            <a:ext cx="3369102" cy="1015663"/>
+          </a:xfrm>
+          <a:prstGeom prst="rect">
+            <a:avLst/>
+          </a:prstGeom>
+          <a:noFill/>
+        </p:spPr>
+        <p:txBody>
+          <a:bodyPr wrap="square" rtlCol="0">
+            <a:spAutoFit/>
+          </a:bodyPr>
+          <a:lstStyle/>
+          <a:p>
+            <a:r>
+              <a:rPr lang="en-VN" sz="2000" i="1">
+                <a:solidFill>
+                  <a:schemeClr val="bg1"/>
+                </a:solidFill>
+              </a:rPr>
+              <a:t>Giảng viên bộ môn Toán – Lý, </a:t>
+            </a:r>
+          </a:p>
+          <a:p>
+            <a:r>
+              <a:rPr lang="en-VN" sz="2000" i="1">
+                <a:solidFill>
+                  <a:schemeClr val="bg1"/>
+                </a:solidFill>
+              </a:rPr>
+              <a:t> Gần 20 năm gắn bó với UIT, </a:t>
+            </a:r>
+          </a:p>
+          <a:p>
+            <a:r>
+              <a:rPr lang="en-VN" sz="2000" i="1">
+                <a:solidFill>
+                  <a:schemeClr val="bg1"/>
+                </a:solidFill>
+              </a:rPr>
+              <a:t>  09/2006 ~ 05/2026</a:t>
+            </a:r>
+          </a:p>
+        </p:txBody>
+      </p:sp>
+      <p:sp>
+        <p:nvSpPr>
+          <p:cNvPr id="25" name="TextBox 24">
+            <a:extLst>
+              <a:ext uri="{FF2B5EF4-FFF2-40B4-BE49-F238E27FC236}">
+                <a16:creationId xmlns:a16="http://schemas.microsoft.com/office/drawing/2014/main" id="{03282A65-9168-8DBC-4B24-A736C8D091E3}"/>
+              </a:ext>
+            </a:extLst>
+          </p:cNvPr>
+          <p:cNvSpPr txBox="1"/>
+          <p:nvPr/>
+        </p:nvSpPr>
+        <p:spPr>
+          <a:xfrm>
+            <a:off x="3505482" y="5090139"/>
+            <a:ext cx="3246391" cy="1015663"/>
+          </a:xfrm>
+          <a:prstGeom prst="rect">
+            <a:avLst/>
+          </a:prstGeom>
+          <a:noFill/>
+        </p:spPr>
+        <p:txBody>
+          <a:bodyPr wrap="square" rtlCol="0">
+            <a:spAutoFit/>
+          </a:bodyPr>
+          <a:lstStyle/>
+          <a:p>
+            <a:r>
+              <a:rPr lang="en-VN" sz="2000" i="1">
+                <a:solidFill>
+                  <a:schemeClr val="bg1"/>
+                </a:solidFill>
+              </a:rPr>
+              <a:t>    Người truyền lửa về Tính   </a:t>
+            </a:r>
+          </a:p>
+          <a:p>
+            <a:r>
+              <a:rPr lang="en-VN" sz="2000" i="1">
+                <a:solidFill>
+                  <a:schemeClr val="bg1"/>
+                </a:solidFill>
+              </a:rPr>
+              <a:t>  toán lượng tử (Quantum Computing) tại UIT</a:t>
+            </a:r>
+          </a:p>
+        </p:txBody>
+      </p:sp>
     </p:spTree>
     <p:extLst>
       <p:ext uri="{BB962C8B-B14F-4D97-AF65-F5344CB8AC3E}">

--- a/images/slides/quantum_class_thChương.pptx
+++ b/images/slides/quantum_class_thChương.pptx
@@ -200,7 +200,7 @@
           <a:p>
             <a:fld id="{52A2B7F2-4ED9-403D-8D8A-879FE3B4014E}" type="datetimeFigureOut">
               <a:rPr lang="en-US" smtClean="0"/>
-              <a:t>1/24/26</a:t>
+              <a:t>1/27/26</a:t>
             </a:fld>
             <a:endParaRPr lang="en-US"/>
           </a:p>
@@ -914,7 +914,7 @@
           <a:p>
             <a:fld id="{A04A5567-2D39-432B-A86B-39F40DF129FF}" type="datetimeFigureOut">
               <a:rPr lang="en-US" smtClean="0"/>
-              <a:t>1/24/26</a:t>
+              <a:t>1/27/26</a:t>
             </a:fld>
             <a:endParaRPr lang="en-US"/>
           </a:p>
@@ -1112,7 +1112,7 @@
           <a:p>
             <a:fld id="{A04A5567-2D39-432B-A86B-39F40DF129FF}" type="datetimeFigureOut">
               <a:rPr lang="en-US" smtClean="0"/>
-              <a:t>1/24/26</a:t>
+              <a:t>1/27/26</a:t>
             </a:fld>
             <a:endParaRPr lang="en-US"/>
           </a:p>
@@ -1320,7 +1320,7 @@
           <a:p>
             <a:fld id="{A04A5567-2D39-432B-A86B-39F40DF129FF}" type="datetimeFigureOut">
               <a:rPr lang="en-US" smtClean="0"/>
-              <a:t>1/24/26</a:t>
+              <a:t>1/27/26</a:t>
             </a:fld>
             <a:endParaRPr lang="en-US"/>
           </a:p>
@@ -1518,7 +1518,7 @@
           <a:p>
             <a:fld id="{A04A5567-2D39-432B-A86B-39F40DF129FF}" type="datetimeFigureOut">
               <a:rPr lang="en-US" smtClean="0"/>
-              <a:t>1/24/26</a:t>
+              <a:t>1/27/26</a:t>
             </a:fld>
             <a:endParaRPr lang="en-US"/>
           </a:p>
@@ -1793,7 +1793,7 @@
           <a:p>
             <a:fld id="{A04A5567-2D39-432B-A86B-39F40DF129FF}" type="datetimeFigureOut">
               <a:rPr lang="en-US" smtClean="0"/>
-              <a:t>1/24/26</a:t>
+              <a:t>1/27/26</a:t>
             </a:fld>
             <a:endParaRPr lang="en-US"/>
           </a:p>
@@ -2058,7 +2058,7 @@
           <a:p>
             <a:fld id="{A04A5567-2D39-432B-A86B-39F40DF129FF}" type="datetimeFigureOut">
               <a:rPr lang="en-US" smtClean="0"/>
-              <a:t>1/24/26</a:t>
+              <a:t>1/27/26</a:t>
             </a:fld>
             <a:endParaRPr lang="en-US"/>
           </a:p>
@@ -2470,7 +2470,7 @@
           <a:p>
             <a:fld id="{A04A5567-2D39-432B-A86B-39F40DF129FF}" type="datetimeFigureOut">
               <a:rPr lang="en-US" smtClean="0"/>
-              <a:t>1/24/26</a:t>
+              <a:t>1/27/26</a:t>
             </a:fld>
             <a:endParaRPr lang="en-US"/>
           </a:p>
@@ -2611,7 +2611,7 @@
           <a:p>
             <a:fld id="{A04A5567-2D39-432B-A86B-39F40DF129FF}" type="datetimeFigureOut">
               <a:rPr lang="en-US" smtClean="0"/>
-              <a:t>1/24/26</a:t>
+              <a:t>1/27/26</a:t>
             </a:fld>
             <a:endParaRPr lang="en-US"/>
           </a:p>
@@ -2724,7 +2724,7 @@
           <a:p>
             <a:fld id="{A04A5567-2D39-432B-A86B-39F40DF129FF}" type="datetimeFigureOut">
               <a:rPr lang="en-US" smtClean="0"/>
-              <a:t>1/24/26</a:t>
+              <a:t>1/27/26</a:t>
             </a:fld>
             <a:endParaRPr lang="en-US"/>
           </a:p>
@@ -3035,7 +3035,7 @@
           <a:p>
             <a:fld id="{A04A5567-2D39-432B-A86B-39F40DF129FF}" type="datetimeFigureOut">
               <a:rPr lang="en-US" smtClean="0"/>
-              <a:t>1/24/26</a:t>
+              <a:t>1/27/26</a:t>
             </a:fld>
             <a:endParaRPr lang="en-US"/>
           </a:p>
@@ -3323,7 +3323,7 @@
           <a:p>
             <a:fld id="{A04A5567-2D39-432B-A86B-39F40DF129FF}" type="datetimeFigureOut">
               <a:rPr lang="en-US" smtClean="0"/>
-              <a:t>1/24/26</a:t>
+              <a:t>1/27/26</a:t>
             </a:fld>
             <a:endParaRPr lang="en-US"/>
           </a:p>
@@ -3564,7 +3564,7 @@
           <a:p>
             <a:fld id="{A04A5567-2D39-432B-A86B-39F40DF129FF}" type="datetimeFigureOut">
               <a:rPr lang="en-US" smtClean="0"/>
-              <a:t>1/24/26</a:t>
+              <a:t>1/27/26</a:t>
             </a:fld>
             <a:endParaRPr lang="en-US"/>
           </a:p>
@@ -7246,8 +7246,8 @@
         </p:nvSpPr>
         <p:spPr>
           <a:xfrm>
-            <a:off x="6922617" y="1575634"/>
-            <a:ext cx="3504404" cy="5282366"/>
+            <a:off x="6922616" y="1575634"/>
+            <a:ext cx="3810635" cy="5282366"/>
           </a:xfrm>
           <a:prstGeom prst="parallelogram">
             <a:avLst>
@@ -7405,7 +7405,7 @@
                 <a:ea typeface="Brush Script MT" panose="03060802040406070304" pitchFamily="66" charset="-122"/>
                 <a:cs typeface="Al Tarikh" pitchFamily="2" charset="-78"/>
               </a:rPr>
-              <a:t>BÀI GIẢNG CUỐI CÙNG</a:t>
+              <a:t>BÀI GIẢNG</a:t>
             </a:r>
           </a:p>
         </p:txBody>
@@ -8167,8 +8167,8 @@
         </p:nvSpPr>
         <p:spPr>
           <a:xfrm>
-            <a:off x="3505482" y="5090139"/>
-            <a:ext cx="3246391" cy="1015663"/>
+            <a:off x="3410886" y="5090139"/>
+            <a:ext cx="3417135" cy="1015663"/>
           </a:xfrm>
           <a:prstGeom prst="rect">
             <a:avLst/>
@@ -8187,7 +8187,7 @@
                   <a:schemeClr val="bg1"/>
                 </a:solidFill>
               </a:rPr>
-              <a:t>    Người truyền lửa về Tính   </a:t>
+              <a:t>      Người truyền lửa về</a:t>
             </a:r>
           </a:p>
           <a:p>
@@ -8197,7 +8197,7 @@
                   <a:schemeClr val="bg1"/>
                 </a:solidFill>
               </a:rPr>
-              <a:t>  toán lượng tử (Quantum Computing) tại UIT</a:t>
+              <a:t>    Tính toán lượng tử (Quantum Computing) tại UIT</a:t>
             </a:r>
           </a:p>
         </p:txBody>

--- a/images/slides/quantum_class_thChương.pptx
+++ b/images/slides/quantum_class_thChương.pptx
@@ -200,7 +200,7 @@
           <a:p>
             <a:fld id="{52A2B7F2-4ED9-403D-8D8A-879FE3B4014E}" type="datetimeFigureOut">
               <a:rPr lang="en-US" smtClean="0"/>
-              <a:t>1/27/26</a:t>
+              <a:t>2/25/26</a:t>
             </a:fld>
             <a:endParaRPr lang="en-US"/>
           </a:p>
@@ -914,7 +914,7 @@
           <a:p>
             <a:fld id="{A04A5567-2D39-432B-A86B-39F40DF129FF}" type="datetimeFigureOut">
               <a:rPr lang="en-US" smtClean="0"/>
-              <a:t>1/27/26</a:t>
+              <a:t>2/25/26</a:t>
             </a:fld>
             <a:endParaRPr lang="en-US"/>
           </a:p>
@@ -1112,7 +1112,7 @@
           <a:p>
             <a:fld id="{A04A5567-2D39-432B-A86B-39F40DF129FF}" type="datetimeFigureOut">
               <a:rPr lang="en-US" smtClean="0"/>
-              <a:t>1/27/26</a:t>
+              <a:t>2/25/26</a:t>
             </a:fld>
             <a:endParaRPr lang="en-US"/>
           </a:p>
@@ -1320,7 +1320,7 @@
           <a:p>
             <a:fld id="{A04A5567-2D39-432B-A86B-39F40DF129FF}" type="datetimeFigureOut">
               <a:rPr lang="en-US" smtClean="0"/>
-              <a:t>1/27/26</a:t>
+              <a:t>2/25/26</a:t>
             </a:fld>
             <a:endParaRPr lang="en-US"/>
           </a:p>
@@ -1518,7 +1518,7 @@
           <a:p>
             <a:fld id="{A04A5567-2D39-432B-A86B-39F40DF129FF}" type="datetimeFigureOut">
               <a:rPr lang="en-US" smtClean="0"/>
-              <a:t>1/27/26</a:t>
+              <a:t>2/25/26</a:t>
             </a:fld>
             <a:endParaRPr lang="en-US"/>
           </a:p>
@@ -1793,7 +1793,7 @@
           <a:p>
             <a:fld id="{A04A5567-2D39-432B-A86B-39F40DF129FF}" type="datetimeFigureOut">
               <a:rPr lang="en-US" smtClean="0"/>
-              <a:t>1/27/26</a:t>
+              <a:t>2/25/26</a:t>
             </a:fld>
             <a:endParaRPr lang="en-US"/>
           </a:p>
@@ -2058,7 +2058,7 @@
           <a:p>
             <a:fld id="{A04A5567-2D39-432B-A86B-39F40DF129FF}" type="datetimeFigureOut">
               <a:rPr lang="en-US" smtClean="0"/>
-              <a:t>1/27/26</a:t>
+              <a:t>2/25/26</a:t>
             </a:fld>
             <a:endParaRPr lang="en-US"/>
           </a:p>
@@ -2470,7 +2470,7 @@
           <a:p>
             <a:fld id="{A04A5567-2D39-432B-A86B-39F40DF129FF}" type="datetimeFigureOut">
               <a:rPr lang="en-US" smtClean="0"/>
-              <a:t>1/27/26</a:t>
+              <a:t>2/25/26</a:t>
             </a:fld>
             <a:endParaRPr lang="en-US"/>
           </a:p>
@@ -2611,7 +2611,7 @@
           <a:p>
             <a:fld id="{A04A5567-2D39-432B-A86B-39F40DF129FF}" type="datetimeFigureOut">
               <a:rPr lang="en-US" smtClean="0"/>
-              <a:t>1/27/26</a:t>
+              <a:t>2/25/26</a:t>
             </a:fld>
             <a:endParaRPr lang="en-US"/>
           </a:p>
@@ -2724,7 +2724,7 @@
           <a:p>
             <a:fld id="{A04A5567-2D39-432B-A86B-39F40DF129FF}" type="datetimeFigureOut">
               <a:rPr lang="en-US" smtClean="0"/>
-              <a:t>1/27/26</a:t>
+              <a:t>2/25/26</a:t>
             </a:fld>
             <a:endParaRPr lang="en-US"/>
           </a:p>
@@ -3035,7 +3035,7 @@
           <a:p>
             <a:fld id="{A04A5567-2D39-432B-A86B-39F40DF129FF}" type="datetimeFigureOut">
               <a:rPr lang="en-US" smtClean="0"/>
-              <a:t>1/27/26</a:t>
+              <a:t>2/25/26</a:t>
             </a:fld>
             <a:endParaRPr lang="en-US"/>
           </a:p>
@@ -3323,7 +3323,7 @@
           <a:p>
             <a:fld id="{A04A5567-2D39-432B-A86B-39F40DF129FF}" type="datetimeFigureOut">
               <a:rPr lang="en-US" smtClean="0"/>
-              <a:t>1/27/26</a:t>
+              <a:t>2/25/26</a:t>
             </a:fld>
             <a:endParaRPr lang="en-US"/>
           </a:p>
@@ -3564,7 +3564,7 @@
           <a:p>
             <a:fld id="{A04A5567-2D39-432B-A86B-39F40DF129FF}" type="datetimeFigureOut">
               <a:rPr lang="en-US" smtClean="0"/>
-              <a:t>1/27/26</a:t>
+              <a:t>2/25/26</a:t>
             </a:fld>
             <a:endParaRPr lang="en-US"/>
           </a:p>
@@ -7234,26 +7234,29 @@
       </p:grpSpPr>
       <p:sp>
         <p:nvSpPr>
-          <p:cNvPr id="11" name="Parallelogram 10">
-            <a:extLst>
-              <a:ext uri="{FF2B5EF4-FFF2-40B4-BE49-F238E27FC236}">
-                <a16:creationId xmlns:a16="http://schemas.microsoft.com/office/drawing/2014/main" id="{4356912D-43C4-139B-7288-2EBDBDEC7C71}"/>
-              </a:ext>
-            </a:extLst>
-          </p:cNvPr>
-          <p:cNvSpPr/>
+          <p:cNvPr id="3" name="Rectangle 2">
+            <a:extLst>
+              <a:ext uri="{FF2B5EF4-FFF2-40B4-BE49-F238E27FC236}">
+                <a16:creationId xmlns:a16="http://schemas.microsoft.com/office/drawing/2014/main" id="{E73F324C-ABDE-F462-D3E6-64F8017FD058}"/>
+              </a:ext>
+            </a:extLst>
+          </p:cNvPr>
+          <p:cNvSpPr>
+            <a:spLocks/>
+          </p:cNvSpPr>
           <p:nvPr/>
         </p:nvSpPr>
         <p:spPr>
           <a:xfrm>
-            <a:off x="6922616" y="1575634"/>
-            <a:ext cx="3810635" cy="5282366"/>
-          </a:xfrm>
-          <a:prstGeom prst="parallelogram">
-            <a:avLst>
-              <a:gd name="adj" fmla="val 25423"/>
-            </a:avLst>
-          </a:prstGeom>
+            <a:off x="0" y="0"/>
+            <a:ext cx="12192000" cy="6858000"/>
+          </a:xfrm>
+          <a:prstGeom prst="rect">
+            <a:avLst/>
+          </a:prstGeom>
+          <a:solidFill>
+            <a:schemeClr val="bg1"/>
+          </a:solidFill>
           <a:ln>
             <a:noFill/>
           </a:ln>
@@ -7285,27 +7288,26 @@
       </p:sp>
       <p:sp>
         <p:nvSpPr>
-          <p:cNvPr id="3" name="Rectangle 2">
-            <a:extLst>
-              <a:ext uri="{FF2B5EF4-FFF2-40B4-BE49-F238E27FC236}">
-                <a16:creationId xmlns:a16="http://schemas.microsoft.com/office/drawing/2014/main" id="{E73F324C-ABDE-F462-D3E6-64F8017FD058}"/>
-              </a:ext>
-            </a:extLst>
-          </p:cNvPr>
-          <p:cNvSpPr>
-            <a:spLocks noGrp="1" noRot="1" noMove="1" noResize="1" noEditPoints="1" noAdjustHandles="1" noChangeArrowheads="1" noChangeShapeType="1"/>
-          </p:cNvSpPr>
+          <p:cNvPr id="11" name="Parallelogram 10">
+            <a:extLst>
+              <a:ext uri="{FF2B5EF4-FFF2-40B4-BE49-F238E27FC236}">
+                <a16:creationId xmlns:a16="http://schemas.microsoft.com/office/drawing/2014/main" id="{4356912D-43C4-139B-7288-2EBDBDEC7C71}"/>
+              </a:ext>
+            </a:extLst>
+          </p:cNvPr>
+          <p:cNvSpPr/>
           <p:nvPr/>
         </p:nvSpPr>
         <p:spPr>
           <a:xfrm>
-            <a:off x="0" y="0"/>
-            <a:ext cx="12192000" cy="6858000"/>
-          </a:xfrm>
-          <a:prstGeom prst="rect">
-            <a:avLst/>
-          </a:prstGeom>
-          <a:noFill/>
+            <a:off x="6922616" y="1429862"/>
+            <a:ext cx="3810635" cy="5282366"/>
+          </a:xfrm>
+          <a:prstGeom prst="parallelogram">
+            <a:avLst>
+              <a:gd name="adj" fmla="val 25423"/>
+            </a:avLst>
+          </a:prstGeom>
           <a:ln>
             <a:noFill/>
           </a:ln>
@@ -7493,53 +7495,6 @@
           </a:p>
         </p:txBody>
       </p:sp>
-      <p:pic>
-        <p:nvPicPr>
-          <p:cNvPr id="1030" name="Picture 6" descr="No photo description available.">
-            <a:extLst>
-              <a:ext uri="{FF2B5EF4-FFF2-40B4-BE49-F238E27FC236}">
-                <a16:creationId xmlns:a16="http://schemas.microsoft.com/office/drawing/2014/main" id="{0B47AF6C-C02D-D99B-0B91-D667BED77DFC}"/>
-              </a:ext>
-            </a:extLst>
-          </p:cNvPr>
-          <p:cNvPicPr>
-            <a:picLocks noChangeAspect="1" noChangeArrowheads="1"/>
-          </p:cNvPicPr>
-          <p:nvPr/>
-        </p:nvPicPr>
-        <p:blipFill>
-          <a:blip r:embed="rId4">
-            <a:extLst>
-              <a:ext uri="{28A0092B-C50C-407E-A947-70E740481C1C}">
-                <a14:useLocalDpi xmlns:a14="http://schemas.microsoft.com/office/drawing/2010/main" val="0"/>
-              </a:ext>
-            </a:extLst>
-          </a:blip>
-          <a:srcRect/>
-          <a:stretch>
-            <a:fillRect/>
-          </a:stretch>
-        </p:blipFill>
-        <p:spPr bwMode="auto">
-          <a:xfrm>
-            <a:off x="1311053" y="216560"/>
-            <a:ext cx="1156375" cy="1156375"/>
-          </a:xfrm>
-          <a:prstGeom prst="rect">
-            <a:avLst/>
-          </a:prstGeom>
-          <a:noFill/>
-          <a:extLst>
-            <a:ext uri="{909E8E84-426E-40DD-AFC4-6F175D3DCCD1}">
-              <a14:hiddenFill xmlns:a14="http://schemas.microsoft.com/office/drawing/2010/main">
-                <a:solidFill>
-                  <a:srgbClr val="FFFFFF"/>
-                </a:solidFill>
-              </a14:hiddenFill>
-            </a:ext>
-          </a:extLst>
-        </p:spPr>
-      </p:pic>
       <p:sp>
         <p:nvSpPr>
           <p:cNvPr id="13" name="TextBox 12">
@@ -7554,8 +7509,8 @@
         </p:nvSpPr>
         <p:spPr>
           <a:xfrm>
-            <a:off x="7508230" y="2922352"/>
-            <a:ext cx="2587763" cy="1138773"/>
+            <a:off x="7468474" y="2657308"/>
+            <a:ext cx="2800833" cy="1446550"/>
           </a:xfrm>
           <a:prstGeom prst="rect">
             <a:avLst/>
@@ -7574,7 +7529,84 @@
                   <a:schemeClr val="bg1"/>
                 </a:solidFill>
               </a:rPr>
-              <a:t>  Thời gian:</a:t>
+              <a:t>    Thời gian:</a:t>
+            </a:r>
+          </a:p>
+          <a:p>
+            <a:r>
+              <a:rPr lang="en-VN" sz="2400" b="1" i="1">
+                <a:solidFill>
+                  <a:schemeClr val="bg1"/>
+                </a:solidFill>
+              </a:rPr>
+              <a:t>   </a:t>
+            </a:r>
+            <a:r>
+              <a:rPr lang="en-VN" sz="2000" b="1" i="1">
+                <a:solidFill>
+                  <a:schemeClr val="bg1"/>
+                </a:solidFill>
+              </a:rPr>
+              <a:t>9h – 11h sáng </a:t>
+            </a:r>
+          </a:p>
+          <a:p>
+            <a:r>
+              <a:rPr lang="en-VN" sz="2000" b="1" i="1">
+                <a:solidFill>
+                  <a:schemeClr val="bg1"/>
+                </a:solidFill>
+              </a:rPr>
+              <a:t>  Thứ 5 hàng tuần từ</a:t>
+            </a:r>
+          </a:p>
+          <a:p>
+            <a:r>
+              <a:rPr lang="en-VN" sz="2000" b="1" i="1">
+                <a:solidFill>
+                  <a:schemeClr val="bg1"/>
+                </a:solidFill>
+              </a:rPr>
+              <a:t> 05/03/ – 23/05/2026 </a:t>
+            </a:r>
+          </a:p>
+        </p:txBody>
+      </p:sp>
+      <p:sp>
+        <p:nvSpPr>
+          <p:cNvPr id="14" name="TextBox 13">
+            <a:extLst>
+              <a:ext uri="{FF2B5EF4-FFF2-40B4-BE49-F238E27FC236}">
+                <a16:creationId xmlns:a16="http://schemas.microsoft.com/office/drawing/2014/main" id="{DDAE4C79-0823-7EB9-EF2E-606DC0AE66C6}"/>
+              </a:ext>
+            </a:extLst>
+          </p:cNvPr>
+          <p:cNvSpPr txBox="1"/>
+          <p:nvPr/>
+        </p:nvSpPr>
+        <p:spPr>
+          <a:xfrm>
+            <a:off x="7305954" y="4185745"/>
+            <a:ext cx="2587763" cy="1138773"/>
+          </a:xfrm>
+          <a:prstGeom prst="rect">
+            <a:avLst/>
+          </a:prstGeom>
+          <a:noFill/>
+        </p:spPr>
+        <p:txBody>
+          <a:bodyPr wrap="square" rtlCol="0">
+            <a:spAutoFit/>
+          </a:bodyPr>
+          <a:lstStyle/>
+          <a:p>
+            <a:r>
+              <a:rPr lang="en-VN" sz="2400" b="1" i="1">
+                <a:solidFill>
+                  <a:schemeClr val="bg1"/>
+                </a:solidFill>
+              </a:rPr>
+              <a:t>  Địa điểm:</a:t>
             </a:r>
           </a:p>
           <a:p>
@@ -7592,7 +7624,7 @@
                   <a:schemeClr val="bg1"/>
                 </a:solidFill>
               </a:rPr>
-              <a:t>3-5/2026, 8 buổi </a:t>
+              <a:t>Đại học CNTT (UIT),</a:t>
             </a:r>
           </a:p>
           <a:p>
@@ -7602,7 +7634,7 @@
                   <a:schemeClr val="bg1"/>
                 </a:solidFill>
               </a:rPr>
-              <a:t>(1 buổi / tuần)</a:t>
+              <a:t>ĐHQG TP. HCM</a:t>
             </a:r>
             <a:endParaRPr lang="en-VN" sz="2400" b="1" i="1">
               <a:solidFill>
@@ -7614,10 +7646,10 @@
       </p:sp>
       <p:sp>
         <p:nvSpPr>
-          <p:cNvPr id="14" name="TextBox 13">
-            <a:extLst>
-              <a:ext uri="{FF2B5EF4-FFF2-40B4-BE49-F238E27FC236}">
-                <a16:creationId xmlns:a16="http://schemas.microsoft.com/office/drawing/2014/main" id="{DDAE4C79-0823-7EB9-EF2E-606DC0AE66C6}"/>
+          <p:cNvPr id="15" name="TextBox 14">
+            <a:extLst>
+              <a:ext uri="{FF2B5EF4-FFF2-40B4-BE49-F238E27FC236}">
+                <a16:creationId xmlns:a16="http://schemas.microsoft.com/office/drawing/2014/main" id="{EAE1F859-E454-F8B6-5A70-16844C90A53D}"/>
               </a:ext>
             </a:extLst>
           </p:cNvPr>
@@ -7626,8 +7658,8 @@
         </p:nvSpPr>
         <p:spPr>
           <a:xfrm>
-            <a:off x="7305954" y="4185745"/>
-            <a:ext cx="2587763" cy="1138773"/>
+            <a:off x="7090499" y="5430235"/>
+            <a:ext cx="2587763" cy="830997"/>
           </a:xfrm>
           <a:prstGeom prst="rect">
             <a:avLst/>
@@ -7646,7 +7678,7 @@
                   <a:schemeClr val="bg1"/>
                 </a:solidFill>
               </a:rPr>
-              <a:t>  Địa điểm:</a:t>
+              <a:t>  Chi phí:</a:t>
             </a:r>
           </a:p>
           <a:p>
@@ -7664,17 +7696,7 @@
                   <a:schemeClr val="bg1"/>
                 </a:solidFill>
               </a:rPr>
-              <a:t>Đại học CNTT (UIT),</a:t>
-            </a:r>
-          </a:p>
-          <a:p>
-            <a:r>
-              <a:rPr lang="en-VN" sz="2000" b="1" i="1">
-                <a:solidFill>
-                  <a:schemeClr val="bg1"/>
-                </a:solidFill>
-              </a:rPr>
-              <a:t>ĐHQG TP. HCM</a:t>
+              <a:t>Miễn phí</a:t>
             </a:r>
             <a:endParaRPr lang="en-VN" sz="2400" b="1" i="1">
               <a:solidFill>
@@ -7686,10 +7708,10 @@
       </p:sp>
       <p:sp>
         <p:nvSpPr>
-          <p:cNvPr id="15" name="TextBox 14">
-            <a:extLst>
-              <a:ext uri="{FF2B5EF4-FFF2-40B4-BE49-F238E27FC236}">
-                <a16:creationId xmlns:a16="http://schemas.microsoft.com/office/drawing/2014/main" id="{EAE1F859-E454-F8B6-5A70-16844C90A53D}"/>
+          <p:cNvPr id="16" name="TextBox 15">
+            <a:extLst>
+              <a:ext uri="{FF2B5EF4-FFF2-40B4-BE49-F238E27FC236}">
+                <a16:creationId xmlns:a16="http://schemas.microsoft.com/office/drawing/2014/main" id="{8DA40149-A253-97A6-65AC-5D487B4B6091}"/>
               </a:ext>
             </a:extLst>
           </p:cNvPr>
@@ -7698,69 +7720,7 @@
         </p:nvSpPr>
         <p:spPr>
           <a:xfrm>
-            <a:off x="7090499" y="5430235"/>
-            <a:ext cx="2587763" cy="830997"/>
-          </a:xfrm>
-          <a:prstGeom prst="rect">
-            <a:avLst/>
-          </a:prstGeom>
-          <a:noFill/>
-        </p:spPr>
-        <p:txBody>
-          <a:bodyPr wrap="square" rtlCol="0">
-            <a:spAutoFit/>
-          </a:bodyPr>
-          <a:lstStyle/>
-          <a:p>
-            <a:r>
-              <a:rPr lang="en-VN" sz="2400" b="1" i="1">
-                <a:solidFill>
-                  <a:schemeClr val="bg1"/>
-                </a:solidFill>
-              </a:rPr>
-              <a:t>  Chi phí:</a:t>
-            </a:r>
-          </a:p>
-          <a:p>
-            <a:r>
-              <a:rPr lang="en-VN" sz="2400" b="1" i="1">
-                <a:solidFill>
-                  <a:schemeClr val="bg1"/>
-                </a:solidFill>
-              </a:rPr>
-              <a:t> </a:t>
-            </a:r>
-            <a:r>
-              <a:rPr lang="en-VN" sz="2000" b="1" i="1">
-                <a:solidFill>
-                  <a:schemeClr val="bg1"/>
-                </a:solidFill>
-              </a:rPr>
-              <a:t>Miễn phí</a:t>
-            </a:r>
-            <a:endParaRPr lang="en-VN" sz="2400" b="1" i="1">
-              <a:solidFill>
-                <a:schemeClr val="bg1"/>
-              </a:solidFill>
-            </a:endParaRPr>
-          </a:p>
-        </p:txBody>
-      </p:sp>
-      <p:sp>
-        <p:nvSpPr>
-          <p:cNvPr id="16" name="TextBox 15">
-            <a:extLst>
-              <a:ext uri="{FF2B5EF4-FFF2-40B4-BE49-F238E27FC236}">
-                <a16:creationId xmlns:a16="http://schemas.microsoft.com/office/drawing/2014/main" id="{8DA40149-A253-97A6-65AC-5D487B4B6091}"/>
-              </a:ext>
-            </a:extLst>
-          </p:cNvPr>
-          <p:cNvSpPr txBox="1"/>
-          <p:nvPr/>
-        </p:nvSpPr>
-        <p:spPr>
-          <a:xfrm>
-            <a:off x="7708048" y="1736281"/>
+            <a:off x="7800812" y="1444734"/>
             <a:ext cx="2587763" cy="1138773"/>
           </a:xfrm>
           <a:prstGeom prst="rect">
@@ -8023,7 +7983,7 @@
           <p:nvPr/>
         </p:nvPicPr>
         <p:blipFill>
-          <a:blip r:embed="rId5">
+          <a:blip r:embed="rId4">
             <a:extLst>
               <a:ext uri="{28A0092B-C50C-407E-A947-70E740481C1C}">
                 <a14:useLocalDpi xmlns:a14="http://schemas.microsoft.com/office/drawing/2010/main" val="0"/>
@@ -8202,6 +8162,53 @@
           </a:p>
         </p:txBody>
       </p:sp>
+      <p:pic>
+        <p:nvPicPr>
+          <p:cNvPr id="2" name="Picture 2" descr="No photo description available.">
+            <a:extLst>
+              <a:ext uri="{FF2B5EF4-FFF2-40B4-BE49-F238E27FC236}">
+                <a16:creationId xmlns:a16="http://schemas.microsoft.com/office/drawing/2014/main" id="{C2BBE708-FEA9-4DDB-335A-22174C4F937B}"/>
+              </a:ext>
+            </a:extLst>
+          </p:cNvPr>
+          <p:cNvPicPr>
+            <a:picLocks noChangeAspect="1" noChangeArrowheads="1"/>
+          </p:cNvPicPr>
+          <p:nvPr/>
+        </p:nvPicPr>
+        <p:blipFill>
+          <a:blip r:embed="rId5">
+            <a:extLst>
+              <a:ext uri="{28A0092B-C50C-407E-A947-70E740481C1C}">
+                <a14:useLocalDpi xmlns:a14="http://schemas.microsoft.com/office/drawing/2010/main" val="0"/>
+              </a:ext>
+            </a:extLst>
+          </a:blip>
+          <a:srcRect/>
+          <a:stretch>
+            <a:fillRect/>
+          </a:stretch>
+        </p:blipFill>
+        <p:spPr bwMode="auto">
+          <a:xfrm>
+            <a:off x="1311054" y="216561"/>
+            <a:ext cx="1153491" cy="1153491"/>
+          </a:xfrm>
+          <a:prstGeom prst="rect">
+            <a:avLst/>
+          </a:prstGeom>
+          <a:noFill/>
+          <a:extLst>
+            <a:ext uri="{909E8E84-426E-40DD-AFC4-6F175D3DCCD1}">
+              <a14:hiddenFill xmlns:a14="http://schemas.microsoft.com/office/drawing/2010/main">
+                <a:solidFill>
+                  <a:srgbClr val="FFFFFF"/>
+                </a:solidFill>
+              </a14:hiddenFill>
+            </a:ext>
+          </a:extLst>
+        </p:spPr>
+      </p:pic>
     </p:spTree>
     <p:extLst>
       <p:ext uri="{BB962C8B-B14F-4D97-AF65-F5344CB8AC3E}">
